--- a/534_pres.pptx
+++ b/534_pres.pptx
@@ -15,7 +15,8 @@
     <p:sldId id="263" r:id="rId9"/>
     <p:sldId id="264" r:id="rId10"/>
     <p:sldId id="265" r:id="rId11"/>
-    <p:sldId id="266" r:id="rId12"/>
+    <p:sldId id="267" r:id="rId12"/>
+    <p:sldId id="266" r:id="rId13"/>
   </p:sldIdLst>
   <p:sldSz cx="12192000" cy="6858000"/>
   <p:notesSz cx="6858000" cy="9144000"/>
@@ -114,6 +115,11 @@
       </a:defRPr>
     </a:lvl9pPr>
   </p:defaultTextStyle>
+  <p:extLst>
+    <p:ext uri="{EFAFB233-063F-42B5-8137-9DF3F51BA10A}">
+      <p15:sldGuideLst xmlns:p15="http://schemas.microsoft.com/office/powerpoint/2012/main"/>
+    </p:ext>
+  </p:extLst>
 </p:presentation>
 </file>
 
@@ -1072,14 +1078,35 @@
         </dgm:presLayoutVars>
       </dgm:prSet>
       <dgm:spPr/>
+      <dgm:t>
+        <a:bodyPr/>
+        <a:lstStyle/>
+        <a:p>
+          <a:endParaRPr lang="en-US"/>
+        </a:p>
+      </dgm:t>
     </dgm:pt>
     <dgm:pt modelId="{2775E1BF-2D5B-7C43-AE4C-29EDDD9385A6}" type="pres">
       <dgm:prSet presAssocID="{9EBDBCA8-37AC-C747-8307-01CC1205F28E}" presName="sibTrans" presStyleLbl="sibTrans2D1" presStyleIdx="0" presStyleCnt="4"/>
       <dgm:spPr/>
+      <dgm:t>
+        <a:bodyPr/>
+        <a:lstStyle/>
+        <a:p>
+          <a:endParaRPr lang="en-US"/>
+        </a:p>
+      </dgm:t>
     </dgm:pt>
     <dgm:pt modelId="{25CA4689-2A55-BE45-B361-D114BEF493C9}" type="pres">
       <dgm:prSet presAssocID="{9EBDBCA8-37AC-C747-8307-01CC1205F28E}" presName="connectorText" presStyleLbl="sibTrans2D1" presStyleIdx="0" presStyleCnt="4"/>
       <dgm:spPr/>
+      <dgm:t>
+        <a:bodyPr/>
+        <a:lstStyle/>
+        <a:p>
+          <a:endParaRPr lang="en-US"/>
+        </a:p>
+      </dgm:t>
     </dgm:pt>
     <dgm:pt modelId="{E589A13C-74D7-3346-8656-8273E54FB12C}" type="pres">
       <dgm:prSet presAssocID="{E7D77789-D19A-9540-8A5A-4F8555AD74CC}" presName="node" presStyleLbl="node1" presStyleIdx="1" presStyleCnt="5">
@@ -1099,10 +1126,24 @@
     <dgm:pt modelId="{590E1E2D-95E0-F54B-823A-1701BB5B62A7}" type="pres">
       <dgm:prSet presAssocID="{2B3EEBB5-4078-B447-A7AC-B66F1A1E975C}" presName="sibTrans" presStyleLbl="sibTrans2D1" presStyleIdx="1" presStyleCnt="4"/>
       <dgm:spPr/>
+      <dgm:t>
+        <a:bodyPr/>
+        <a:lstStyle/>
+        <a:p>
+          <a:endParaRPr lang="en-US"/>
+        </a:p>
+      </dgm:t>
     </dgm:pt>
     <dgm:pt modelId="{9C695EA9-6170-E149-B16D-F711C81F8F83}" type="pres">
       <dgm:prSet presAssocID="{2B3EEBB5-4078-B447-A7AC-B66F1A1E975C}" presName="connectorText" presStyleLbl="sibTrans2D1" presStyleIdx="1" presStyleCnt="4"/>
       <dgm:spPr/>
+      <dgm:t>
+        <a:bodyPr/>
+        <a:lstStyle/>
+        <a:p>
+          <a:endParaRPr lang="en-US"/>
+        </a:p>
+      </dgm:t>
     </dgm:pt>
     <dgm:pt modelId="{3FAB3615-0EB8-724E-9DDD-8C36B6E4A7A1}" type="pres">
       <dgm:prSet presAssocID="{90F0F106-FC5B-444F-90CF-187CFE89A63B}" presName="node" presStyleLbl="node1" presStyleIdx="2" presStyleCnt="5">
@@ -1122,10 +1163,24 @@
     <dgm:pt modelId="{C330A8D0-62C0-7647-80D0-1B1D8E2AC668}" type="pres">
       <dgm:prSet presAssocID="{3598FE2E-B681-134E-B51C-82D47F92CB27}" presName="sibTrans" presStyleLbl="sibTrans2D1" presStyleIdx="2" presStyleCnt="4"/>
       <dgm:spPr/>
+      <dgm:t>
+        <a:bodyPr/>
+        <a:lstStyle/>
+        <a:p>
+          <a:endParaRPr lang="en-US"/>
+        </a:p>
+      </dgm:t>
     </dgm:pt>
     <dgm:pt modelId="{184C40AA-5F53-F042-9189-EAB587B17F7C}" type="pres">
       <dgm:prSet presAssocID="{3598FE2E-B681-134E-B51C-82D47F92CB27}" presName="connectorText" presStyleLbl="sibTrans2D1" presStyleIdx="2" presStyleCnt="4"/>
       <dgm:spPr/>
+      <dgm:t>
+        <a:bodyPr/>
+        <a:lstStyle/>
+        <a:p>
+          <a:endParaRPr lang="en-US"/>
+        </a:p>
+      </dgm:t>
     </dgm:pt>
     <dgm:pt modelId="{369CE24A-0E22-EF46-9D02-17707CACCBDA}" type="pres">
       <dgm:prSet presAssocID="{045013EC-7901-534C-8B8E-E348AAA27BF0}" presName="node" presStyleLbl="node1" presStyleIdx="3" presStyleCnt="5">
@@ -1134,14 +1189,35 @@
         </dgm:presLayoutVars>
       </dgm:prSet>
       <dgm:spPr/>
+      <dgm:t>
+        <a:bodyPr/>
+        <a:lstStyle/>
+        <a:p>
+          <a:endParaRPr lang="en-US"/>
+        </a:p>
+      </dgm:t>
     </dgm:pt>
     <dgm:pt modelId="{D17195DD-2FAE-0A46-9628-E06EAF5E6149}" type="pres">
       <dgm:prSet presAssocID="{EE158F42-23B5-F744-819A-ED4215733F25}" presName="sibTrans" presStyleLbl="sibTrans2D1" presStyleIdx="3" presStyleCnt="4"/>
       <dgm:spPr/>
+      <dgm:t>
+        <a:bodyPr/>
+        <a:lstStyle/>
+        <a:p>
+          <a:endParaRPr lang="en-US"/>
+        </a:p>
+      </dgm:t>
     </dgm:pt>
     <dgm:pt modelId="{B0BFDA82-0223-B542-95D4-E8249FEC267A}" type="pres">
       <dgm:prSet presAssocID="{EE158F42-23B5-F744-819A-ED4215733F25}" presName="connectorText" presStyleLbl="sibTrans2D1" presStyleIdx="3" presStyleCnt="4"/>
       <dgm:spPr/>
+      <dgm:t>
+        <a:bodyPr/>
+        <a:lstStyle/>
+        <a:p>
+          <a:endParaRPr lang="en-US"/>
+        </a:p>
+      </dgm:t>
     </dgm:pt>
     <dgm:pt modelId="{6E2BB16B-90DD-644D-A8AD-FD6EB959E509}" type="pres">
       <dgm:prSet presAssocID="{E93AE06F-D309-B344-A27A-091D2C6B64D1}" presName="node" presStyleLbl="node1" presStyleIdx="4" presStyleCnt="5">
@@ -1150,6 +1226,13 @@
         </dgm:presLayoutVars>
       </dgm:prSet>
       <dgm:spPr/>
+      <dgm:t>
+        <a:bodyPr/>
+        <a:lstStyle/>
+        <a:p>
+          <a:endParaRPr lang="en-US"/>
+        </a:p>
+      </dgm:t>
     </dgm:pt>
   </dgm:ptLst>
   <dgm:cxnLst>
@@ -1163,15 +1246,15 @@
     <dgm:cxn modelId="{E2C011BF-0224-BA4F-BB41-CBF34498C3D4}" type="presOf" srcId="{E7D77789-D19A-9540-8A5A-4F8555AD74CC}" destId="{E589A13C-74D7-3346-8656-8273E54FB12C}" srcOrd="0" destOrd="0" presId="urn:microsoft.com/office/officeart/2005/8/layout/process1"/>
     <dgm:cxn modelId="{E69E63DE-8F64-3643-A5D5-B5301ACA1EAE}" type="presOf" srcId="{90F0F106-FC5B-444F-90CF-187CFE89A63B}" destId="{3FAB3615-0EB8-724E-9DDD-8C36B6E4A7A1}" srcOrd="0" destOrd="0" presId="urn:microsoft.com/office/officeart/2005/8/layout/process1"/>
     <dgm:cxn modelId="{FADE4645-A23F-EE42-8591-CCADD04E950A}" srcId="{D410A61B-9352-594D-92B2-49809D6894F7}" destId="{E7D77789-D19A-9540-8A5A-4F8555AD74CC}" srcOrd="1" destOrd="0" parTransId="{2D2145B3-A7B7-A344-88EB-3F75BA871D80}" sibTransId="{2B3EEBB5-4078-B447-A7AC-B66F1A1E975C}"/>
+    <dgm:cxn modelId="{FE8FC3F5-A970-D744-8ABC-6F3F8E4A3E7C}" type="presOf" srcId="{EE158F42-23B5-F744-819A-ED4215733F25}" destId="{D17195DD-2FAE-0A46-9628-E06EAF5E6149}" srcOrd="0" destOrd="0" presId="urn:microsoft.com/office/officeart/2005/8/layout/process1"/>
     <dgm:cxn modelId="{869F49E0-31B8-CD42-A87B-DA9410B08916}" type="presOf" srcId="{3598FE2E-B681-134E-B51C-82D47F92CB27}" destId="{184C40AA-5F53-F042-9189-EAB587B17F7C}" srcOrd="1" destOrd="0" presId="urn:microsoft.com/office/officeart/2005/8/layout/process1"/>
-    <dgm:cxn modelId="{FE8FC3F5-A970-D744-8ABC-6F3F8E4A3E7C}" type="presOf" srcId="{EE158F42-23B5-F744-819A-ED4215733F25}" destId="{D17195DD-2FAE-0A46-9628-E06EAF5E6149}" srcOrd="0" destOrd="0" presId="urn:microsoft.com/office/officeart/2005/8/layout/process1"/>
     <dgm:cxn modelId="{CE972473-23A3-C941-B95B-CB04CF11C036}" srcId="{D410A61B-9352-594D-92B2-49809D6894F7}" destId="{E93AE06F-D309-B344-A27A-091D2C6B64D1}" srcOrd="4" destOrd="0" parTransId="{CB9A2F40-5363-4345-AEF0-CBFC5ECABFA8}" sibTransId="{51E09C1C-C95E-2340-A3C4-6EA1A0EAEBB1}"/>
     <dgm:cxn modelId="{260E454D-922D-9446-84D7-1F174C28260D}" type="presOf" srcId="{9EBDBCA8-37AC-C747-8307-01CC1205F28E}" destId="{25CA4689-2A55-BE45-B361-D114BEF493C9}" srcOrd="1" destOrd="0" presId="urn:microsoft.com/office/officeart/2005/8/layout/process1"/>
+    <dgm:cxn modelId="{DA896CF3-4093-7C46-9DBF-DB2386D25631}" srcId="{D410A61B-9352-594D-92B2-49809D6894F7}" destId="{5A468017-4B18-7743-BE22-4BDAAF9F2C9A}" srcOrd="0" destOrd="0" parTransId="{3052306A-3841-D048-A421-B1A8B3B30F39}" sibTransId="{9EBDBCA8-37AC-C747-8307-01CC1205F28E}"/>
     <dgm:cxn modelId="{4BE32BC8-300B-CA4C-B1DE-0E5D25A4E961}" type="presOf" srcId="{2B3EEBB5-4078-B447-A7AC-B66F1A1E975C}" destId="{9C695EA9-6170-E149-B16D-F711C81F8F83}" srcOrd="1" destOrd="0" presId="urn:microsoft.com/office/officeart/2005/8/layout/process1"/>
-    <dgm:cxn modelId="{DA896CF3-4093-7C46-9DBF-DB2386D25631}" srcId="{D410A61B-9352-594D-92B2-49809D6894F7}" destId="{5A468017-4B18-7743-BE22-4BDAAF9F2C9A}" srcOrd="0" destOrd="0" parTransId="{3052306A-3841-D048-A421-B1A8B3B30F39}" sibTransId="{9EBDBCA8-37AC-C747-8307-01CC1205F28E}"/>
     <dgm:cxn modelId="{DD198553-BB6F-0343-B8B2-9CD97D653E96}" type="presOf" srcId="{5A468017-4B18-7743-BE22-4BDAAF9F2C9A}" destId="{ED626B74-BE43-964D-873B-E5C023D7C29A}" srcOrd="0" destOrd="0" presId="urn:microsoft.com/office/officeart/2005/8/layout/process1"/>
+    <dgm:cxn modelId="{B1B2B347-8EB7-574E-8238-344EB497816D}" srcId="{D410A61B-9352-594D-92B2-49809D6894F7}" destId="{045013EC-7901-534C-8B8E-E348AAA27BF0}" srcOrd="3" destOrd="0" parTransId="{1DDE25B2-A535-7344-A7F0-A28363777164}" sibTransId="{EE158F42-23B5-F744-819A-ED4215733F25}"/>
     <dgm:cxn modelId="{A7C56AF2-D18F-9A44-B173-866C2F5801D9}" type="presOf" srcId="{E93AE06F-D309-B344-A27A-091D2C6B64D1}" destId="{6E2BB16B-90DD-644D-A8AD-FD6EB959E509}" srcOrd="0" destOrd="0" presId="urn:microsoft.com/office/officeart/2005/8/layout/process1"/>
-    <dgm:cxn modelId="{B1B2B347-8EB7-574E-8238-344EB497816D}" srcId="{D410A61B-9352-594D-92B2-49809D6894F7}" destId="{045013EC-7901-534C-8B8E-E348AAA27BF0}" srcOrd="3" destOrd="0" parTransId="{1DDE25B2-A535-7344-A7F0-A28363777164}" sibTransId="{EE158F42-23B5-F744-819A-ED4215733F25}"/>
     <dgm:cxn modelId="{17127C32-5922-D044-B0AD-18A1C7F18363}" type="presParOf" srcId="{1496CEA9-8236-7C4B-B4C7-8FB49B738452}" destId="{ED626B74-BE43-964D-873B-E5C023D7C29A}" srcOrd="0" destOrd="0" presId="urn:microsoft.com/office/officeart/2005/8/layout/process1"/>
     <dgm:cxn modelId="{77D1BBF1-C67A-514B-A6B6-332F5D878E66}" type="presParOf" srcId="{1496CEA9-8236-7C4B-B4C7-8FB49B738452}" destId="{2775E1BF-2D5B-7C43-AE4C-29EDDD9385A6}" srcOrd="1" destOrd="0" presId="urn:microsoft.com/office/officeart/2005/8/layout/process1"/>
     <dgm:cxn modelId="{A38B99CB-F05E-B642-BF71-1B30CCC9583E}" type="presParOf" srcId="{2775E1BF-2D5B-7C43-AE4C-29EDDD9385A6}" destId="{25CA4689-2A55-BE45-B361-D114BEF493C9}" srcOrd="0" destOrd="0" presId="urn:microsoft.com/office/officeart/2005/8/layout/process1"/>
@@ -3253,7 +3336,7 @@
           <a:effectLst/>
           <a:extLst>
             <a:ext uri="{91240B29-F687-4f45-9708-019B960494DF}">
-              <a14:hiddenLine xmlns:a14="http://schemas.microsoft.com/office/drawing/2010/main" xmlns="" w="9525">
+              <a14:hiddenLine xmlns="" xmlns:a14="http://schemas.microsoft.com/office/drawing/2010/main" w="9525">
                 <a:solidFill>
                   <a:srgbClr val="000000"/>
                 </a:solidFill>
@@ -3446,7 +3529,7 @@
             <a:fld id="{08B9EBBA-996F-894A-B54A-D6246ED52CEA}" type="datetimeFigureOut">
               <a:rPr lang="en-US" dirty="0"/>
               <a:pPr/>
-              <a:t>12/11/16</a:t>
+              <a:t>12/14/2016</a:t>
             </a:fld>
             <a:endParaRPr lang="en-US" dirty="0"/>
           </a:p>
@@ -3761,7 +3844,7 @@
             <a:fld id="{18C79C5D-2A6F-F04D-97DA-BEF2467B64E4}" type="datetimeFigureOut">
               <a:rPr lang="en-US" dirty="0"/>
               <a:pPr/>
-              <a:t>12/11/16</a:t>
+              <a:t>12/14/2016</a:t>
             </a:fld>
             <a:endParaRPr lang="en-US" dirty="0"/>
           </a:p>
@@ -4246,7 +4329,7 @@
             <a:fld id="{8DFA1846-DA80-1C48-A609-854EA85C59AD}" type="datetimeFigureOut">
               <a:rPr lang="en-US" dirty="0"/>
               <a:pPr/>
-              <a:t>12/11/16</a:t>
+              <a:t>12/14/2016</a:t>
             </a:fld>
             <a:endParaRPr lang="en-US" dirty="0"/>
           </a:p>
@@ -4612,7 +4695,7 @@
             <a:fld id="{FBF54567-0DE4-3F47-BF90-CB84690072F9}" type="datetimeFigureOut">
               <a:rPr lang="en-US" dirty="0"/>
               <a:pPr/>
-              <a:t>12/11/16</a:t>
+              <a:t>12/14/2016</a:t>
             </a:fld>
             <a:endParaRPr lang="en-US" dirty="0"/>
           </a:p>
@@ -4763,7 +4846,7 @@
           <a:ln/>
           <a:extLst>
             <a:ext uri="{91240B29-F687-4f45-9708-019B960494DF}">
-              <a14:hiddenLine xmlns:a14="http://schemas.microsoft.com/office/drawing/2010/main" xmlns="" w="9525">
+              <a14:hiddenLine xmlns="" xmlns:a14="http://schemas.microsoft.com/office/drawing/2010/main" w="9525">
                 <a:solidFill>
                   <a:srgbClr val="000000"/>
                 </a:solidFill>
@@ -4882,7 +4965,7 @@
             <a:fld id="{C6C52C72-DE31-F449-A4ED-4C594FD91407}" type="datetimeFigureOut">
               <a:rPr lang="en-US" dirty="0"/>
               <a:pPr/>
-              <a:t>12/11/16</a:t>
+              <a:t>12/14/2016</a:t>
             </a:fld>
             <a:endParaRPr lang="en-US" dirty="0"/>
           </a:p>
@@ -5035,7 +5118,7 @@
           <a:ln/>
           <a:extLst>
             <a:ext uri="{91240B29-F687-4f45-9708-019B960494DF}">
-              <a14:hiddenLine xmlns:a14="http://schemas.microsoft.com/office/drawing/2010/main" xmlns="" w="9525">
+              <a14:hiddenLine xmlns="" xmlns:a14="http://schemas.microsoft.com/office/drawing/2010/main" w="9525">
                 <a:solidFill>
                   <a:srgbClr val="000000"/>
                 </a:solidFill>
@@ -5164,7 +5247,7 @@
             <a:fld id="{ED62726E-379B-B349-9EED-81ED093FA806}" type="datetimeFigureOut">
               <a:rPr lang="en-US" dirty="0"/>
               <a:pPr/>
-              <a:t>12/11/16</a:t>
+              <a:t>12/14/2016</a:t>
             </a:fld>
             <a:endParaRPr lang="en-US" dirty="0"/>
           </a:p>
@@ -5315,7 +5398,7 @@
           <a:ln/>
           <a:extLst>
             <a:ext uri="{91240B29-F687-4f45-9708-019B960494DF}">
-              <a14:hiddenLine xmlns:a14="http://schemas.microsoft.com/office/drawing/2010/main" xmlns="" w="9525">
+              <a14:hiddenLine xmlns="" xmlns:a14="http://schemas.microsoft.com/office/drawing/2010/main" w="9525">
                 <a:solidFill>
                   <a:srgbClr val="000000"/>
                 </a:solidFill>
@@ -5444,7 +5527,7 @@
             <a:fld id="{9B3A1323-8D79-1946-B0D7-40001CF92E9D}" type="datetimeFigureOut">
               <a:rPr lang="en-US" dirty="0"/>
               <a:pPr/>
-              <a:t>12/11/16</a:t>
+              <a:t>12/14/2016</a:t>
             </a:fld>
             <a:endParaRPr lang="en-US" dirty="0"/>
           </a:p>
@@ -5784,7 +5867,7 @@
             <a:fld id="{8DFA1846-DA80-1C48-A609-854EA85C59AD}" type="datetimeFigureOut">
               <a:rPr lang="en-US" dirty="0"/>
               <a:pPr/>
-              <a:t>12/11/16</a:t>
+              <a:t>12/14/2016</a:t>
             </a:fld>
             <a:endParaRPr lang="en-US" dirty="0"/>
           </a:p>
@@ -5935,7 +6018,7 @@
           <a:ln/>
           <a:extLst>
             <a:ext uri="{91240B29-F687-4f45-9708-019B960494DF}">
-              <a14:hiddenLine xmlns:a14="http://schemas.microsoft.com/office/drawing/2010/main" xmlns="" w="9525">
+              <a14:hiddenLine xmlns="" xmlns:a14="http://schemas.microsoft.com/office/drawing/2010/main" w="9525">
                 <a:solidFill>
                   <a:srgbClr val="000000"/>
                 </a:solidFill>
@@ -6120,7 +6203,7 @@
             <a:fld id="{57302355-E14B-8545-A8F8-0FE83CC9D524}" type="datetimeFigureOut">
               <a:rPr lang="en-US" dirty="0"/>
               <a:pPr/>
-              <a:t>12/11/16</a:t>
+              <a:t>12/14/2016</a:t>
             </a:fld>
             <a:endParaRPr lang="en-US" dirty="0"/>
           </a:p>
@@ -6271,7 +6354,7 @@
           <a:ln/>
           <a:extLst>
             <a:ext uri="{91240B29-F687-4f45-9708-019B960494DF}">
-              <a14:hiddenLine xmlns:a14="http://schemas.microsoft.com/office/drawing/2010/main" xmlns="" w="9525">
+              <a14:hiddenLine xmlns="" xmlns:a14="http://schemas.microsoft.com/office/drawing/2010/main" w="9525">
                 <a:solidFill>
                   <a:srgbClr val="000000"/>
                 </a:solidFill>
@@ -6594,7 +6677,7 @@
             <a:fld id="{02640F58-564D-2B4F-AE67-E407BA4FCF45}" type="datetimeFigureOut">
               <a:rPr lang="en-US" dirty="0"/>
               <a:pPr/>
-              <a:t>12/11/16</a:t>
+              <a:t>12/14/2016</a:t>
             </a:fld>
             <a:endParaRPr lang="en-US" dirty="0"/>
           </a:p>
@@ -6745,7 +6828,7 @@
           <a:ln/>
           <a:extLst>
             <a:ext uri="{91240B29-F687-4f45-9708-019B960494DF}">
-              <a14:hiddenLine xmlns:a14="http://schemas.microsoft.com/office/drawing/2010/main" xmlns="" w="9525">
+              <a14:hiddenLine xmlns="" xmlns:a14="http://schemas.microsoft.com/office/drawing/2010/main" w="9525">
                 <a:solidFill>
                   <a:srgbClr val="000000"/>
                 </a:solidFill>
@@ -6812,7 +6895,7 @@
             <a:fld id="{F13A34C8-038E-2045-AF43-DF7DBB8E0E9E}" type="datetimeFigureOut">
               <a:rPr lang="en-US" dirty="0"/>
               <a:pPr/>
-              <a:t>12/11/16</a:t>
+              <a:t>12/14/2016</a:t>
             </a:fld>
             <a:endParaRPr lang="en-US" dirty="0"/>
           </a:p>
@@ -6904,7 +6987,7 @@
             <a:fld id="{8818C68F-D26B-8F47-958C-23B49CF8A634}" type="datetimeFigureOut">
               <a:rPr lang="en-US" dirty="0"/>
               <a:pPr/>
-              <a:t>12/11/16</a:t>
+              <a:t>12/14/2016</a:t>
             </a:fld>
             <a:endParaRPr lang="en-US" dirty="0"/>
           </a:p>
@@ -7168,7 +7251,7 @@
           <a:ln/>
           <a:extLst>
             <a:ext uri="{91240B29-F687-4f45-9708-019B960494DF}">
-              <a14:hiddenLine xmlns:a14="http://schemas.microsoft.com/office/drawing/2010/main" xmlns="" w="9525">
+              <a14:hiddenLine xmlns="" xmlns:a14="http://schemas.microsoft.com/office/drawing/2010/main" w="9525">
                 <a:solidFill>
                   <a:srgbClr val="000000"/>
                 </a:solidFill>
@@ -7368,7 +7451,7 @@
             <a:fld id="{D0DF5E60-9974-AC48-9591-99C2BB44B7CF}" type="datetimeFigureOut">
               <a:rPr lang="en-US" dirty="0"/>
               <a:pPr/>
-              <a:t>12/11/16</a:t>
+              <a:t>12/14/2016</a:t>
             </a:fld>
             <a:endParaRPr lang="en-US" dirty="0"/>
           </a:p>
@@ -7678,7 +7761,7 @@
             <a:fld id="{18C79C5D-2A6F-F04D-97DA-BEF2467B64E4}" type="datetimeFigureOut">
               <a:rPr lang="en-US" dirty="0"/>
               <a:pPr/>
-              <a:t>12/11/16</a:t>
+              <a:t>12/14/2016</a:t>
             </a:fld>
             <a:endParaRPr lang="en-US" dirty="0"/>
           </a:p>
@@ -7945,7 +8028,7 @@
             <a:fld id="{09B482E8-6E0E-1B4F-B1FD-C69DB9E858D9}" type="datetimeFigureOut">
               <a:rPr lang="en-US" dirty="0"/>
               <a:pPr/>
-              <a:t>12/11/16</a:t>
+              <a:t>12/14/2016</a:t>
             </a:fld>
             <a:endParaRPr lang="en-US" dirty="0"/>
           </a:p>
@@ -8422,7 +8505,23 @@
             </a:br>
             <a:r>
               <a:rPr lang="en-US" dirty="0" smtClean="0"/>
-              <a:t>~TITLE NEEDED~</a:t>
+              <a:t>Image </a:t>
+            </a:r>
+            <a:r>
+              <a:rPr lang="en-US" dirty="0"/>
+              <a:t>S</a:t>
+            </a:r>
+            <a:r>
+              <a:rPr lang="en-US" dirty="0" smtClean="0"/>
+              <a:t>plicing </a:t>
+            </a:r>
+            <a:r>
+              <a:rPr lang="en-US" dirty="0"/>
+              <a:t>U</a:t>
+            </a:r>
+            <a:r>
+              <a:rPr lang="en-US" dirty="0" smtClean="0"/>
+              <a:t>sing Segmentation and Poisson Blending</a:t>
             </a:r>
             <a:endParaRPr lang="en-US" dirty="0"/>
           </a:p>
@@ -8498,7 +8597,7 @@
           <a:p>
             <a:r>
               <a:rPr lang="en-US" dirty="0" smtClean="0"/>
-              <a:t>James part, needs new title</a:t>
+              <a:t>Poisson Blending</a:t>
             </a:r>
             <a:endParaRPr lang="en-US" dirty="0"/>
           </a:p>
@@ -8519,7 +8618,62 @@
           <a:bodyPr/>
           <a:lstStyle/>
           <a:p>
-            <a:endParaRPr lang="en-US"/>
+            <a:r>
+              <a:rPr lang="en-US" dirty="0" smtClean="0"/>
+              <a:t>We need to add our image to the background and make the edges of our spliced image less obvious.</a:t>
+            </a:r>
+          </a:p>
+          <a:p>
+            <a:r>
+              <a:rPr lang="en-US" dirty="0" smtClean="0"/>
+              <a:t>Solution: Use Poisson blending to preserve the pixel gradients of the image</a:t>
+            </a:r>
+          </a:p>
+          <a:p>
+            <a:pPr marL="0" indent="0">
+              <a:buNone/>
+            </a:pPr>
+            <a:endParaRPr lang="en-US" dirty="0"/>
+          </a:p>
+          <a:p>
+            <a:endParaRPr lang="en-US" dirty="0" smtClean="0"/>
+          </a:p>
+          <a:p>
+            <a:pPr marL="0" indent="0">
+              <a:buNone/>
+            </a:pPr>
+            <a:endParaRPr lang="en-US" dirty="0"/>
+          </a:p>
+          <a:p>
+            <a:pPr marL="0" indent="0">
+              <a:buNone/>
+            </a:pPr>
+            <a:r>
+              <a:rPr lang="en-US" dirty="0" smtClean="0"/>
+              <a:t>For more information on Poisson Blending see </a:t>
+            </a:r>
+            <a:r>
+              <a:rPr lang="en-US" i="1" dirty="0" smtClean="0"/>
+              <a:t>Poisson Image </a:t>
+            </a:r>
+            <a:r>
+              <a:rPr lang="en-US" i="1" dirty="0"/>
+              <a:t>Editing</a:t>
+            </a:r>
+            <a:r>
+              <a:rPr lang="en-US" dirty="0"/>
+              <a:t> by </a:t>
+            </a:r>
+            <a:r>
+              <a:rPr lang="en-US" dirty="0"/>
+              <a:t>Pérez, et al.</a:t>
+            </a:r>
+          </a:p>
+          <a:p>
+            <a:pPr marL="0" indent="0">
+              <a:buNone/>
+            </a:pPr>
+            <a:endParaRPr lang="en-US" dirty="0"/>
           </a:p>
         </p:txBody>
       </p:sp>
@@ -8537,6 +8691,100 @@
 </file>
 
 <file path=ppt/slides/slide11.xml><?xml version="1.0" encoding="utf-8"?>
+<p:sld xmlns:a="http://schemas.openxmlformats.org/drawingml/2006/main" xmlns:r="http://schemas.openxmlformats.org/officeDocument/2006/relationships" xmlns:p="http://schemas.openxmlformats.org/presentationml/2006/main">
+  <p:cSld>
+    <p:spTree>
+      <p:nvGrpSpPr>
+        <p:cNvPr id="1" name=""/>
+        <p:cNvGrpSpPr/>
+        <p:nvPr/>
+      </p:nvGrpSpPr>
+      <p:grpSpPr>
+        <a:xfrm>
+          <a:off x="0" y="0"/>
+          <a:ext cx="0" cy="0"/>
+          <a:chOff x="0" y="0"/>
+          <a:chExt cx="0" cy="0"/>
+        </a:xfrm>
+      </p:grpSpPr>
+      <p:sp>
+        <p:nvSpPr>
+          <p:cNvPr id="2" name="Title 1"/>
+          <p:cNvSpPr>
+            <a:spLocks noGrp="1"/>
+          </p:cNvSpPr>
+          <p:nvPr>
+            <p:ph type="title"/>
+          </p:nvPr>
+        </p:nvSpPr>
+        <p:spPr/>
+        <p:txBody>
+          <a:bodyPr/>
+          <a:lstStyle/>
+          <a:p>
+            <a:r>
+              <a:rPr lang="en-US" dirty="0" smtClean="0"/>
+              <a:t>Poisson Blending</a:t>
+            </a:r>
+            <a:endParaRPr lang="en-US" dirty="0"/>
+          </a:p>
+        </p:txBody>
+      </p:sp>
+      <p:sp>
+        <p:nvSpPr>
+          <p:cNvPr id="3" name="Content Placeholder 2"/>
+          <p:cNvSpPr>
+            <a:spLocks noGrp="1"/>
+          </p:cNvSpPr>
+          <p:nvPr>
+            <p:ph idx="1"/>
+          </p:nvPr>
+        </p:nvSpPr>
+        <p:spPr/>
+        <p:txBody>
+          <a:bodyPr/>
+          <a:lstStyle/>
+          <a:p>
+            <a:r>
+              <a:rPr lang="en-US" dirty="0" smtClean="0"/>
+              <a:t>For each pixel from the source image, we must solve an equation where the difference between the pixel and its neighbors is the same as the difference between the target pixel and its neighbors. We use a Laplacian filter to compute this difference.</a:t>
+            </a:r>
+          </a:p>
+          <a:p>
+            <a:r>
+              <a:rPr lang="en-US" dirty="0" smtClean="0"/>
+              <a:t>That’s a lot of equations with a lot of unknowns.</a:t>
+            </a:r>
+          </a:p>
+          <a:p>
+            <a:r>
+              <a:rPr lang="en-US" dirty="0" smtClean="0"/>
+              <a:t>Luckily we can use a matrix to solve all of the equations at once. It’s a big matrix though.</a:t>
+            </a:r>
+          </a:p>
+          <a:p>
+            <a:r>
+              <a:rPr lang="en-US" dirty="0" smtClean="0"/>
+              <a:t>It all boils down to A*x = b where A shows adjacency, b shows our known coefficients and x shows our resulting pixels. </a:t>
+            </a:r>
+            <a:endParaRPr lang="en-US" dirty="0"/>
+          </a:p>
+        </p:txBody>
+      </p:sp>
+    </p:spTree>
+    <p:extLst>
+      <p:ext uri="{BB962C8B-B14F-4D97-AF65-F5344CB8AC3E}">
+        <p14:creationId xmlns:p14="http://schemas.microsoft.com/office/powerpoint/2010/main" val="241519488"/>
+      </p:ext>
+    </p:extLst>
+  </p:cSld>
+  <p:clrMapOvr>
+    <a:masterClrMapping/>
+  </p:clrMapOvr>
+</p:sld>
+</file>
+
+<file path=ppt/slides/slide12.xml><?xml version="1.0" encoding="utf-8"?>
 <p:sld xmlns:a="http://schemas.openxmlformats.org/drawingml/2006/main" xmlns:r="http://schemas.openxmlformats.org/officeDocument/2006/relationships" xmlns:p="http://schemas.openxmlformats.org/presentationml/2006/main">
   <p:cSld>
     <p:spTree>

--- a/534_pres.pptx
+++ b/534_pres.pptx
@@ -9,14 +9,17 @@
     <p:sldId id="257" r:id="rId3"/>
     <p:sldId id="258" r:id="rId4"/>
     <p:sldId id="259" r:id="rId5"/>
-    <p:sldId id="260" r:id="rId6"/>
-    <p:sldId id="261" r:id="rId7"/>
-    <p:sldId id="262" r:id="rId8"/>
-    <p:sldId id="263" r:id="rId9"/>
-    <p:sldId id="264" r:id="rId10"/>
-    <p:sldId id="265" r:id="rId11"/>
-    <p:sldId id="267" r:id="rId12"/>
-    <p:sldId id="266" r:id="rId13"/>
+    <p:sldId id="269" r:id="rId6"/>
+    <p:sldId id="260" r:id="rId7"/>
+    <p:sldId id="270" r:id="rId8"/>
+    <p:sldId id="271" r:id="rId9"/>
+    <p:sldId id="261" r:id="rId10"/>
+    <p:sldId id="262" r:id="rId11"/>
+    <p:sldId id="263" r:id="rId12"/>
+    <p:sldId id="264" r:id="rId13"/>
+    <p:sldId id="265" r:id="rId14"/>
+    <p:sldId id="267" r:id="rId15"/>
+    <p:sldId id="266" r:id="rId16"/>
   </p:sldIdLst>
   <p:sldSz cx="12192000" cy="6858000"/>
   <p:notesSz cx="6858000" cy="9144000"/>
@@ -885,10 +888,9 @@
         <a:lstStyle/>
         <a:p>
           <a:r>
-            <a:rPr lang="en-US" dirty="0" smtClean="0"/>
+            <a:rPr lang="en-US" dirty="0"/>
             <a:t>Pick 2 Images</a:t>
           </a:r>
-          <a:endParaRPr lang="en-US" dirty="0"/>
         </a:p>
       </dgm:t>
     </dgm:pt>
@@ -922,10 +924,9 @@
         <a:lstStyle/>
         <a:p>
           <a:r>
-            <a:rPr lang="en-US" dirty="0" smtClean="0"/>
-            <a:t>User Draws Box Around object in Image 1</a:t>
+            <a:rPr lang="en-US" dirty="0"/>
+            <a:t>User Selects area from Image 1</a:t>
           </a:r>
-          <a:endParaRPr lang="en-US" dirty="0"/>
         </a:p>
       </dgm:t>
     </dgm:pt>
@@ -959,10 +960,9 @@
         <a:lstStyle/>
         <a:p>
           <a:r>
-            <a:rPr lang="en-US" dirty="0" smtClean="0"/>
-            <a:t>Segment the object from inside the box</a:t>
+            <a:rPr lang="en-US" dirty="0"/>
+            <a:t>Segment the object that was selected</a:t>
           </a:r>
-          <a:endParaRPr lang="en-US" dirty="0"/>
         </a:p>
       </dgm:t>
     </dgm:pt>
@@ -996,10 +996,9 @@
         <a:lstStyle/>
         <a:p>
           <a:r>
-            <a:rPr lang="en-US" dirty="0" smtClean="0"/>
+            <a:rPr lang="en-US" dirty="0"/>
             <a:t>User places the object in second image</a:t>
           </a:r>
-          <a:endParaRPr lang="en-US" dirty="0"/>
         </a:p>
       </dgm:t>
     </dgm:pt>
@@ -1033,10 +1032,9 @@
         <a:lstStyle/>
         <a:p>
           <a:r>
-            <a:rPr lang="en-US" dirty="0" smtClean="0"/>
+            <a:rPr lang="en-US" dirty="0"/>
             <a:t>Blend object into second image</a:t>
           </a:r>
-          <a:endParaRPr lang="en-US" dirty="0"/>
         </a:p>
       </dgm:t>
     </dgm:pt>
@@ -1078,35 +1076,14 @@
         </dgm:presLayoutVars>
       </dgm:prSet>
       <dgm:spPr/>
-      <dgm:t>
-        <a:bodyPr/>
-        <a:lstStyle/>
-        <a:p>
-          <a:endParaRPr lang="en-US"/>
-        </a:p>
-      </dgm:t>
     </dgm:pt>
     <dgm:pt modelId="{2775E1BF-2D5B-7C43-AE4C-29EDDD9385A6}" type="pres">
       <dgm:prSet presAssocID="{9EBDBCA8-37AC-C747-8307-01CC1205F28E}" presName="sibTrans" presStyleLbl="sibTrans2D1" presStyleIdx="0" presStyleCnt="4"/>
       <dgm:spPr/>
-      <dgm:t>
-        <a:bodyPr/>
-        <a:lstStyle/>
-        <a:p>
-          <a:endParaRPr lang="en-US"/>
-        </a:p>
-      </dgm:t>
     </dgm:pt>
     <dgm:pt modelId="{25CA4689-2A55-BE45-B361-D114BEF493C9}" type="pres">
       <dgm:prSet presAssocID="{9EBDBCA8-37AC-C747-8307-01CC1205F28E}" presName="connectorText" presStyleLbl="sibTrans2D1" presStyleIdx="0" presStyleCnt="4"/>
       <dgm:spPr/>
-      <dgm:t>
-        <a:bodyPr/>
-        <a:lstStyle/>
-        <a:p>
-          <a:endParaRPr lang="en-US"/>
-        </a:p>
-      </dgm:t>
     </dgm:pt>
     <dgm:pt modelId="{E589A13C-74D7-3346-8656-8273E54FB12C}" type="pres">
       <dgm:prSet presAssocID="{E7D77789-D19A-9540-8A5A-4F8555AD74CC}" presName="node" presStyleLbl="node1" presStyleIdx="1" presStyleCnt="5">
@@ -1115,35 +1092,14 @@
         </dgm:presLayoutVars>
       </dgm:prSet>
       <dgm:spPr/>
-      <dgm:t>
-        <a:bodyPr/>
-        <a:lstStyle/>
-        <a:p>
-          <a:endParaRPr lang="en-US"/>
-        </a:p>
-      </dgm:t>
     </dgm:pt>
     <dgm:pt modelId="{590E1E2D-95E0-F54B-823A-1701BB5B62A7}" type="pres">
       <dgm:prSet presAssocID="{2B3EEBB5-4078-B447-A7AC-B66F1A1E975C}" presName="sibTrans" presStyleLbl="sibTrans2D1" presStyleIdx="1" presStyleCnt="4"/>
       <dgm:spPr/>
-      <dgm:t>
-        <a:bodyPr/>
-        <a:lstStyle/>
-        <a:p>
-          <a:endParaRPr lang="en-US"/>
-        </a:p>
-      </dgm:t>
     </dgm:pt>
     <dgm:pt modelId="{9C695EA9-6170-E149-B16D-F711C81F8F83}" type="pres">
       <dgm:prSet presAssocID="{2B3EEBB5-4078-B447-A7AC-B66F1A1E975C}" presName="connectorText" presStyleLbl="sibTrans2D1" presStyleIdx="1" presStyleCnt="4"/>
       <dgm:spPr/>
-      <dgm:t>
-        <a:bodyPr/>
-        <a:lstStyle/>
-        <a:p>
-          <a:endParaRPr lang="en-US"/>
-        </a:p>
-      </dgm:t>
     </dgm:pt>
     <dgm:pt modelId="{3FAB3615-0EB8-724E-9DDD-8C36B6E4A7A1}" type="pres">
       <dgm:prSet presAssocID="{90F0F106-FC5B-444F-90CF-187CFE89A63B}" presName="node" presStyleLbl="node1" presStyleIdx="2" presStyleCnt="5">
@@ -1152,35 +1108,14 @@
         </dgm:presLayoutVars>
       </dgm:prSet>
       <dgm:spPr/>
-      <dgm:t>
-        <a:bodyPr/>
-        <a:lstStyle/>
-        <a:p>
-          <a:endParaRPr lang="en-US"/>
-        </a:p>
-      </dgm:t>
     </dgm:pt>
     <dgm:pt modelId="{C330A8D0-62C0-7647-80D0-1B1D8E2AC668}" type="pres">
       <dgm:prSet presAssocID="{3598FE2E-B681-134E-B51C-82D47F92CB27}" presName="sibTrans" presStyleLbl="sibTrans2D1" presStyleIdx="2" presStyleCnt="4"/>
       <dgm:spPr/>
-      <dgm:t>
-        <a:bodyPr/>
-        <a:lstStyle/>
-        <a:p>
-          <a:endParaRPr lang="en-US"/>
-        </a:p>
-      </dgm:t>
     </dgm:pt>
     <dgm:pt modelId="{184C40AA-5F53-F042-9189-EAB587B17F7C}" type="pres">
       <dgm:prSet presAssocID="{3598FE2E-B681-134E-B51C-82D47F92CB27}" presName="connectorText" presStyleLbl="sibTrans2D1" presStyleIdx="2" presStyleCnt="4"/>
       <dgm:spPr/>
-      <dgm:t>
-        <a:bodyPr/>
-        <a:lstStyle/>
-        <a:p>
-          <a:endParaRPr lang="en-US"/>
-        </a:p>
-      </dgm:t>
     </dgm:pt>
     <dgm:pt modelId="{369CE24A-0E22-EF46-9D02-17707CACCBDA}" type="pres">
       <dgm:prSet presAssocID="{045013EC-7901-534C-8B8E-E348AAA27BF0}" presName="node" presStyleLbl="node1" presStyleIdx="3" presStyleCnt="5">
@@ -1189,35 +1124,14 @@
         </dgm:presLayoutVars>
       </dgm:prSet>
       <dgm:spPr/>
-      <dgm:t>
-        <a:bodyPr/>
-        <a:lstStyle/>
-        <a:p>
-          <a:endParaRPr lang="en-US"/>
-        </a:p>
-      </dgm:t>
     </dgm:pt>
     <dgm:pt modelId="{D17195DD-2FAE-0A46-9628-E06EAF5E6149}" type="pres">
       <dgm:prSet presAssocID="{EE158F42-23B5-F744-819A-ED4215733F25}" presName="sibTrans" presStyleLbl="sibTrans2D1" presStyleIdx="3" presStyleCnt="4"/>
       <dgm:spPr/>
-      <dgm:t>
-        <a:bodyPr/>
-        <a:lstStyle/>
-        <a:p>
-          <a:endParaRPr lang="en-US"/>
-        </a:p>
-      </dgm:t>
     </dgm:pt>
     <dgm:pt modelId="{B0BFDA82-0223-B542-95D4-E8249FEC267A}" type="pres">
       <dgm:prSet presAssocID="{EE158F42-23B5-F744-819A-ED4215733F25}" presName="connectorText" presStyleLbl="sibTrans2D1" presStyleIdx="3" presStyleCnt="4"/>
       <dgm:spPr/>
-      <dgm:t>
-        <a:bodyPr/>
-        <a:lstStyle/>
-        <a:p>
-          <a:endParaRPr lang="en-US"/>
-        </a:p>
-      </dgm:t>
     </dgm:pt>
     <dgm:pt modelId="{6E2BB16B-90DD-644D-A8AD-FD6EB959E509}" type="pres">
       <dgm:prSet presAssocID="{E93AE06F-D309-B344-A27A-091D2C6B64D1}" presName="node" presStyleLbl="node1" presStyleIdx="4" presStyleCnt="5">
@@ -1226,13 +1140,6 @@
         </dgm:presLayoutVars>
       </dgm:prSet>
       <dgm:spPr/>
-      <dgm:t>
-        <a:bodyPr/>
-        <a:lstStyle/>
-        <a:p>
-          <a:endParaRPr lang="en-US"/>
-        </a:p>
-      </dgm:t>
     </dgm:pt>
   </dgm:ptLst>
   <dgm:cxnLst>
@@ -1350,7 +1257,7 @@
         </a:bodyPr>
         <a:lstStyle/>
         <a:p>
-          <a:pPr lvl="0" algn="ctr" defTabSz="800100">
+          <a:pPr marL="0" lvl="0" indent="0" algn="ctr" defTabSz="800100">
             <a:lnSpc>
               <a:spcPct val="90000"/>
             </a:lnSpc>
@@ -1360,12 +1267,12 @@
             <a:spcAft>
               <a:spcPct val="35000"/>
             </a:spcAft>
+            <a:buNone/>
           </a:pPr>
           <a:r>
-            <a:rPr lang="en-US" sz="1800" kern="1200" dirty="0" smtClean="0"/>
+            <a:rPr lang="en-US" sz="1800" kern="1200" dirty="0"/>
             <a:t>Pick 2 Images</a:t>
           </a:r>
-          <a:endParaRPr lang="en-US" sz="1800" kern="1200" dirty="0"/>
         </a:p>
       </dsp:txBody>
       <dsp:txXfrm>
@@ -1439,7 +1346,7 @@
         </a:bodyPr>
         <a:lstStyle/>
         <a:p>
-          <a:pPr lvl="0" algn="ctr" defTabSz="622300">
+          <a:pPr marL="0" lvl="0" indent="0" algn="ctr" defTabSz="622300">
             <a:lnSpc>
               <a:spcPct val="90000"/>
             </a:lnSpc>
@@ -1449,6 +1356,7 @@
             <a:spcAft>
               <a:spcPct val="35000"/>
             </a:spcAft>
+            <a:buNone/>
           </a:pPr>
           <a:endParaRPr lang="en-US" sz="1400" kern="1200"/>
         </a:p>
@@ -1521,7 +1429,7 @@
         </a:bodyPr>
         <a:lstStyle/>
         <a:p>
-          <a:pPr lvl="0" algn="ctr" defTabSz="800100">
+          <a:pPr marL="0" lvl="0" indent="0" algn="ctr" defTabSz="800100">
             <a:lnSpc>
               <a:spcPct val="90000"/>
             </a:lnSpc>
@@ -1531,12 +1439,12 @@
             <a:spcAft>
               <a:spcPct val="35000"/>
             </a:spcAft>
+            <a:buNone/>
           </a:pPr>
           <a:r>
-            <a:rPr lang="en-US" sz="1800" kern="1200" dirty="0" smtClean="0"/>
-            <a:t>User Draws Box Around object in Image 1</a:t>
+            <a:rPr lang="en-US" sz="1800" kern="1200" dirty="0"/>
+            <a:t>User Selects area from Image 1</a:t>
           </a:r>
-          <a:endParaRPr lang="en-US" sz="1800" kern="1200" dirty="0"/>
         </a:p>
       </dsp:txBody>
       <dsp:txXfrm>
@@ -1610,7 +1518,7 @@
         </a:bodyPr>
         <a:lstStyle/>
         <a:p>
-          <a:pPr lvl="0" algn="ctr" defTabSz="622300">
+          <a:pPr marL="0" lvl="0" indent="0" algn="ctr" defTabSz="622300">
             <a:lnSpc>
               <a:spcPct val="90000"/>
             </a:lnSpc>
@@ -1620,6 +1528,7 @@
             <a:spcAft>
               <a:spcPct val="35000"/>
             </a:spcAft>
+            <a:buNone/>
           </a:pPr>
           <a:endParaRPr lang="en-US" sz="1400" kern="1200"/>
         </a:p>
@@ -1692,7 +1601,7 @@
         </a:bodyPr>
         <a:lstStyle/>
         <a:p>
-          <a:pPr lvl="0" algn="ctr" defTabSz="800100">
+          <a:pPr marL="0" lvl="0" indent="0" algn="ctr" defTabSz="800100">
             <a:lnSpc>
               <a:spcPct val="90000"/>
             </a:lnSpc>
@@ -1702,12 +1611,12 @@
             <a:spcAft>
               <a:spcPct val="35000"/>
             </a:spcAft>
+            <a:buNone/>
           </a:pPr>
           <a:r>
-            <a:rPr lang="en-US" sz="1800" kern="1200" dirty="0" smtClean="0"/>
-            <a:t>Segment the object from inside the box</a:t>
+            <a:rPr lang="en-US" sz="1800" kern="1200" dirty="0"/>
+            <a:t>Segment the object that was selected</a:t>
           </a:r>
-          <a:endParaRPr lang="en-US" sz="1800" kern="1200" dirty="0"/>
         </a:p>
       </dsp:txBody>
       <dsp:txXfrm>
@@ -1781,7 +1690,7 @@
         </a:bodyPr>
         <a:lstStyle/>
         <a:p>
-          <a:pPr lvl="0" algn="ctr" defTabSz="622300">
+          <a:pPr marL="0" lvl="0" indent="0" algn="ctr" defTabSz="622300">
             <a:lnSpc>
               <a:spcPct val="90000"/>
             </a:lnSpc>
@@ -1791,6 +1700,7 @@
             <a:spcAft>
               <a:spcPct val="35000"/>
             </a:spcAft>
+            <a:buNone/>
           </a:pPr>
           <a:endParaRPr lang="en-US" sz="1400" kern="1200"/>
         </a:p>
@@ -1863,7 +1773,7 @@
         </a:bodyPr>
         <a:lstStyle/>
         <a:p>
-          <a:pPr lvl="0" algn="ctr" defTabSz="800100">
+          <a:pPr marL="0" lvl="0" indent="0" algn="ctr" defTabSz="800100">
             <a:lnSpc>
               <a:spcPct val="90000"/>
             </a:lnSpc>
@@ -1873,12 +1783,12 @@
             <a:spcAft>
               <a:spcPct val="35000"/>
             </a:spcAft>
+            <a:buNone/>
           </a:pPr>
           <a:r>
-            <a:rPr lang="en-US" sz="1800" kern="1200" dirty="0" smtClean="0"/>
+            <a:rPr lang="en-US" sz="1800" kern="1200" dirty="0"/>
             <a:t>User places the object in second image</a:t>
           </a:r>
-          <a:endParaRPr lang="en-US" sz="1800" kern="1200" dirty="0"/>
         </a:p>
       </dsp:txBody>
       <dsp:txXfrm>
@@ -1952,7 +1862,7 @@
         </a:bodyPr>
         <a:lstStyle/>
         <a:p>
-          <a:pPr lvl="0" algn="ctr" defTabSz="622300">
+          <a:pPr marL="0" lvl="0" indent="0" algn="ctr" defTabSz="622300">
             <a:lnSpc>
               <a:spcPct val="90000"/>
             </a:lnSpc>
@@ -1962,6 +1872,7 @@
             <a:spcAft>
               <a:spcPct val="35000"/>
             </a:spcAft>
+            <a:buNone/>
           </a:pPr>
           <a:endParaRPr lang="en-US" sz="1400" kern="1200"/>
         </a:p>
@@ -2034,7 +1945,7 @@
         </a:bodyPr>
         <a:lstStyle/>
         <a:p>
-          <a:pPr lvl="0" algn="ctr" defTabSz="800100">
+          <a:pPr marL="0" lvl="0" indent="0" algn="ctr" defTabSz="800100">
             <a:lnSpc>
               <a:spcPct val="90000"/>
             </a:lnSpc>
@@ -2044,12 +1955,12 @@
             <a:spcAft>
               <a:spcPct val="35000"/>
             </a:spcAft>
+            <a:buNone/>
           </a:pPr>
           <a:r>
-            <a:rPr lang="en-US" sz="1800" kern="1200" dirty="0" smtClean="0"/>
+            <a:rPr lang="en-US" sz="1800" kern="1200" dirty="0"/>
             <a:t>Blend object into second image</a:t>
           </a:r>
-          <a:endParaRPr lang="en-US" sz="1800" kern="1200" dirty="0"/>
         </a:p>
       </dsp:txBody>
       <dsp:txXfrm>
@@ -3387,7 +3298,7 @@
           </a:lstStyle>
           <a:p>
             <a:r>
-              <a:rPr lang="en-US" smtClean="0"/>
+              <a:rPr lang="en-US"/>
               <a:t>Click to edit Master title style</a:t>
             </a:r>
             <a:endParaRPr lang="en-US" dirty="0"/>
@@ -3504,7 +3415,7 @@
           </a:lstStyle>
           <a:p>
             <a:r>
-              <a:rPr lang="en-US" smtClean="0"/>
+              <a:rPr lang="en-US"/>
               <a:t>Click to edit Master subtitle style</a:t>
             </a:r>
             <a:endParaRPr lang="en-US" dirty="0"/>
@@ -3529,7 +3440,7 @@
             <a:fld id="{08B9EBBA-996F-894A-B54A-D6246ED52CEA}" type="datetimeFigureOut">
               <a:rPr lang="en-US" dirty="0"/>
               <a:pPr/>
-              <a:t>12/14/2016</a:t>
+              <a:t>12/15/2016</a:t>
             </a:fld>
             <a:endParaRPr lang="en-US" dirty="0"/>
           </a:p>
@@ -3630,7 +3541,7 @@
           </a:lstStyle>
           <a:p>
             <a:r>
-              <a:rPr lang="en-US" smtClean="0"/>
+              <a:rPr lang="en-US"/>
               <a:t>Click to edit Master title style</a:t>
             </a:r>
             <a:endParaRPr lang="en-US" dirty="0"/>
@@ -3752,7 +3663,7 @@
           </a:lstStyle>
           <a:p>
             <a:r>
-              <a:rPr lang="en-US" smtClean="0"/>
+              <a:rPr lang="en-US"/>
               <a:t>Drag picture to placeholder or click icon to add</a:t>
             </a:r>
             <a:endParaRPr lang="en-US" dirty="0"/>
@@ -3820,7 +3731,7 @@
           <a:p>
             <a:pPr lvl="0"/>
             <a:r>
-              <a:rPr lang="en-US" smtClean="0"/>
+              <a:rPr lang="en-US"/>
               <a:t>Click to edit Master text styles</a:t>
             </a:r>
           </a:p>
@@ -3844,7 +3755,7 @@
             <a:fld id="{18C79C5D-2A6F-F04D-97DA-BEF2467B64E4}" type="datetimeFigureOut">
               <a:rPr lang="en-US" dirty="0"/>
               <a:pPr/>
-              <a:t>12/14/2016</a:t>
+              <a:t>12/15/2016</a:t>
             </a:fld>
             <a:endParaRPr lang="en-US" dirty="0"/>
           </a:p>
@@ -4151,7 +4062,7 @@
           </a:lstStyle>
           <a:p>
             <a:r>
-              <a:rPr lang="en-US" smtClean="0"/>
+              <a:rPr lang="en-US"/>
               <a:t>Click to edit Master title style</a:t>
             </a:r>
             <a:endParaRPr lang="en-US" dirty="0"/>
@@ -4271,7 +4182,7 @@
           <a:p>
             <a:pPr lvl="0"/>
             <a:r>
-              <a:rPr lang="en-US" smtClean="0"/>
+              <a:rPr lang="en-US"/>
               <a:t>Click to edit Master text styles</a:t>
             </a:r>
           </a:p>
@@ -4305,7 +4216,7 @@
           <a:p>
             <a:pPr lvl="0"/>
             <a:r>
-              <a:rPr lang="en-US" smtClean="0"/>
+              <a:rPr lang="en-US"/>
               <a:t>Click to edit Master text styles</a:t>
             </a:r>
           </a:p>
@@ -4329,7 +4240,7 @@
             <a:fld id="{8DFA1846-DA80-1C48-A609-854EA85C59AD}" type="datetimeFigureOut">
               <a:rPr lang="en-US" dirty="0"/>
               <a:pPr/>
-              <a:t>12/14/2016</a:t>
+              <a:t>12/15/2016</a:t>
             </a:fld>
             <a:endParaRPr lang="en-US" dirty="0"/>
           </a:p>
@@ -4636,7 +4547,7 @@
           </a:lstStyle>
           <a:p>
             <a:r>
-              <a:rPr lang="en-US" smtClean="0"/>
+              <a:rPr lang="en-US"/>
               <a:t>Click to edit Master title style</a:t>
             </a:r>
             <a:endParaRPr lang="en-US" dirty="0"/>
@@ -4671,7 +4582,7 @@
           <a:p>
             <a:pPr lvl="0"/>
             <a:r>
-              <a:rPr lang="en-US" smtClean="0"/>
+              <a:rPr lang="en-US"/>
               <a:t>Click to edit Master text styles</a:t>
             </a:r>
           </a:p>
@@ -4695,7 +4606,7 @@
             <a:fld id="{FBF54567-0DE4-3F47-BF90-CB84690072F9}" type="datetimeFigureOut">
               <a:rPr lang="en-US" dirty="0"/>
               <a:pPr/>
-              <a:t>12/14/2016</a:t>
+              <a:t>12/15/2016</a:t>
             </a:fld>
             <a:endParaRPr lang="en-US" dirty="0"/>
           </a:p>
@@ -4888,7 +4799,7 @@
           <a:lstStyle/>
           <a:p>
             <a:r>
-              <a:rPr lang="en-US" smtClean="0"/>
+              <a:rPr lang="en-US"/>
               <a:t>Click to edit Master title style</a:t>
             </a:r>
             <a:endParaRPr lang="en-US" dirty="0"/>
@@ -4912,35 +4823,35 @@
           <a:p>
             <a:pPr lvl="0"/>
             <a:r>
-              <a:rPr lang="en-US" smtClean="0"/>
+              <a:rPr lang="en-US"/>
               <a:t>Click to edit Master text styles</a:t>
             </a:r>
           </a:p>
           <a:p>
             <a:pPr lvl="1"/>
             <a:r>
-              <a:rPr lang="en-US" smtClean="0"/>
+              <a:rPr lang="en-US"/>
               <a:t>Second level</a:t>
             </a:r>
           </a:p>
           <a:p>
             <a:pPr lvl="2"/>
             <a:r>
-              <a:rPr lang="en-US" smtClean="0"/>
+              <a:rPr lang="en-US"/>
               <a:t>Third level</a:t>
             </a:r>
           </a:p>
           <a:p>
             <a:pPr lvl="3"/>
             <a:r>
-              <a:rPr lang="en-US" smtClean="0"/>
+              <a:rPr lang="en-US"/>
               <a:t>Fourth level</a:t>
             </a:r>
           </a:p>
           <a:p>
             <a:pPr lvl="4"/>
             <a:r>
-              <a:rPr lang="en-US" smtClean="0"/>
+              <a:rPr lang="en-US"/>
               <a:t>Fifth level</a:t>
             </a:r>
             <a:endParaRPr lang="en-US" dirty="0"/>
@@ -4965,7 +4876,7 @@
             <a:fld id="{C6C52C72-DE31-F449-A4ED-4C594FD91407}" type="datetimeFigureOut">
               <a:rPr lang="en-US" dirty="0"/>
               <a:pPr/>
-              <a:t>12/14/2016</a:t>
+              <a:t>12/15/2016</a:t>
             </a:fld>
             <a:endParaRPr lang="en-US" dirty="0"/>
           </a:p>
@@ -5165,7 +5076,7 @@
           <a:lstStyle/>
           <a:p>
             <a:r>
-              <a:rPr lang="en-US" smtClean="0"/>
+              <a:rPr lang="en-US"/>
               <a:t>Click to edit Master title style</a:t>
             </a:r>
             <a:endParaRPr lang="en-US" dirty="0"/>
@@ -5194,35 +5105,35 @@
           <a:p>
             <a:pPr lvl="0"/>
             <a:r>
-              <a:rPr lang="en-US" smtClean="0"/>
+              <a:rPr lang="en-US"/>
               <a:t>Click to edit Master text styles</a:t>
             </a:r>
           </a:p>
           <a:p>
             <a:pPr lvl="1"/>
             <a:r>
-              <a:rPr lang="en-US" smtClean="0"/>
+              <a:rPr lang="en-US"/>
               <a:t>Second level</a:t>
             </a:r>
           </a:p>
           <a:p>
             <a:pPr lvl="2"/>
             <a:r>
-              <a:rPr lang="en-US" smtClean="0"/>
+              <a:rPr lang="en-US"/>
               <a:t>Third level</a:t>
             </a:r>
           </a:p>
           <a:p>
             <a:pPr lvl="3"/>
             <a:r>
-              <a:rPr lang="en-US" smtClean="0"/>
+              <a:rPr lang="en-US"/>
               <a:t>Fourth level</a:t>
             </a:r>
           </a:p>
           <a:p>
             <a:pPr lvl="4"/>
             <a:r>
-              <a:rPr lang="en-US" smtClean="0"/>
+              <a:rPr lang="en-US"/>
               <a:t>Fifth level</a:t>
             </a:r>
             <a:endParaRPr lang="en-US" dirty="0"/>
@@ -5247,7 +5158,7 @@
             <a:fld id="{ED62726E-379B-B349-9EED-81ED093FA806}" type="datetimeFigureOut">
               <a:rPr lang="en-US" dirty="0"/>
               <a:pPr/>
-              <a:t>12/14/2016</a:t>
+              <a:t>12/15/2016</a:t>
             </a:fld>
             <a:endParaRPr lang="en-US" dirty="0"/>
           </a:p>
@@ -5445,7 +5356,7 @@
           <a:lstStyle/>
           <a:p>
             <a:r>
-              <a:rPr lang="en-US" smtClean="0"/>
+              <a:rPr lang="en-US"/>
               <a:t>Click to edit Master title style</a:t>
             </a:r>
             <a:endParaRPr lang="en-US" dirty="0"/>
@@ -5474,35 +5385,35 @@
           <a:p>
             <a:pPr lvl="0"/>
             <a:r>
-              <a:rPr lang="en-US" smtClean="0"/>
+              <a:rPr lang="en-US"/>
               <a:t>Click to edit Master text styles</a:t>
             </a:r>
           </a:p>
           <a:p>
             <a:pPr lvl="1"/>
             <a:r>
-              <a:rPr lang="en-US" smtClean="0"/>
+              <a:rPr lang="en-US"/>
               <a:t>Second level</a:t>
             </a:r>
           </a:p>
           <a:p>
             <a:pPr lvl="2"/>
             <a:r>
-              <a:rPr lang="en-US" smtClean="0"/>
+              <a:rPr lang="en-US"/>
               <a:t>Third level</a:t>
             </a:r>
           </a:p>
           <a:p>
             <a:pPr lvl="3"/>
             <a:r>
-              <a:rPr lang="en-US" smtClean="0"/>
+              <a:rPr lang="en-US"/>
               <a:t>Fourth level</a:t>
             </a:r>
           </a:p>
           <a:p>
             <a:pPr lvl="4"/>
             <a:r>
-              <a:rPr lang="en-US" smtClean="0"/>
+              <a:rPr lang="en-US"/>
               <a:t>Fifth level</a:t>
             </a:r>
             <a:endParaRPr lang="en-US" dirty="0"/>
@@ -5527,7 +5438,7 @@
             <a:fld id="{9B3A1323-8D79-1946-B0D7-40001CF92E9D}" type="datetimeFigureOut">
               <a:rPr lang="en-US" dirty="0"/>
               <a:pPr/>
-              <a:t>12/14/2016</a:t>
+              <a:t>12/15/2016</a:t>
             </a:fld>
             <a:endParaRPr lang="en-US" dirty="0"/>
           </a:p>
@@ -5723,7 +5634,7 @@
           </a:lstStyle>
           <a:p>
             <a:r>
-              <a:rPr lang="en-US" smtClean="0"/>
+              <a:rPr lang="en-US"/>
               <a:t>Click to edit Master title style</a:t>
             </a:r>
             <a:endParaRPr lang="en-US" dirty="0"/>
@@ -5843,7 +5754,7 @@
           <a:p>
             <a:pPr lvl="0"/>
             <a:r>
-              <a:rPr lang="en-US" smtClean="0"/>
+              <a:rPr lang="en-US"/>
               <a:t>Click to edit Master text styles</a:t>
             </a:r>
           </a:p>
@@ -5867,7 +5778,7 @@
             <a:fld id="{8DFA1846-DA80-1C48-A609-854EA85C59AD}" type="datetimeFigureOut">
               <a:rPr lang="en-US" dirty="0"/>
               <a:pPr/>
-              <a:t>12/14/2016</a:t>
+              <a:t>12/15/2016</a:t>
             </a:fld>
             <a:endParaRPr lang="en-US" dirty="0"/>
           </a:p>
@@ -6060,7 +5971,7 @@
           <a:lstStyle/>
           <a:p>
             <a:r>
-              <a:rPr lang="en-US" smtClean="0"/>
+              <a:rPr lang="en-US"/>
               <a:t>Click to edit Master title style</a:t>
             </a:r>
             <a:endParaRPr lang="en-US" dirty="0"/>
@@ -6091,35 +6002,35 @@
           <a:p>
             <a:pPr lvl="0"/>
             <a:r>
-              <a:rPr lang="en-US" smtClean="0"/>
+              <a:rPr lang="en-US"/>
               <a:t>Click to edit Master text styles</a:t>
             </a:r>
           </a:p>
           <a:p>
             <a:pPr lvl="1"/>
             <a:r>
-              <a:rPr lang="en-US" smtClean="0"/>
+              <a:rPr lang="en-US"/>
               <a:t>Second level</a:t>
             </a:r>
           </a:p>
           <a:p>
             <a:pPr lvl="2"/>
             <a:r>
-              <a:rPr lang="en-US" smtClean="0"/>
+              <a:rPr lang="en-US"/>
               <a:t>Third level</a:t>
             </a:r>
           </a:p>
           <a:p>
             <a:pPr lvl="3"/>
             <a:r>
-              <a:rPr lang="en-US" smtClean="0"/>
+              <a:rPr lang="en-US"/>
               <a:t>Fourth level</a:t>
             </a:r>
           </a:p>
           <a:p>
             <a:pPr lvl="4"/>
             <a:r>
-              <a:rPr lang="en-US" smtClean="0"/>
+              <a:rPr lang="en-US"/>
               <a:t>Fifth level</a:t>
             </a:r>
             <a:endParaRPr lang="en-US" dirty="0"/>
@@ -6150,35 +6061,35 @@
           <a:p>
             <a:pPr lvl="0"/>
             <a:r>
-              <a:rPr lang="en-US" smtClean="0"/>
+              <a:rPr lang="en-US"/>
               <a:t>Click to edit Master text styles</a:t>
             </a:r>
           </a:p>
           <a:p>
             <a:pPr lvl="1"/>
             <a:r>
-              <a:rPr lang="en-US" smtClean="0"/>
+              <a:rPr lang="en-US"/>
               <a:t>Second level</a:t>
             </a:r>
           </a:p>
           <a:p>
             <a:pPr lvl="2"/>
             <a:r>
-              <a:rPr lang="en-US" smtClean="0"/>
+              <a:rPr lang="en-US"/>
               <a:t>Third level</a:t>
             </a:r>
           </a:p>
           <a:p>
             <a:pPr lvl="3"/>
             <a:r>
-              <a:rPr lang="en-US" smtClean="0"/>
+              <a:rPr lang="en-US"/>
               <a:t>Fourth level</a:t>
             </a:r>
           </a:p>
           <a:p>
             <a:pPr lvl="4"/>
             <a:r>
-              <a:rPr lang="en-US" smtClean="0"/>
+              <a:rPr lang="en-US"/>
               <a:t>Fifth level</a:t>
             </a:r>
             <a:endParaRPr lang="en-US" dirty="0"/>
@@ -6203,7 +6114,7 @@
             <a:fld id="{57302355-E14B-8545-A8F8-0FE83CC9D524}" type="datetimeFigureOut">
               <a:rPr lang="en-US" dirty="0"/>
               <a:pPr/>
-              <a:t>12/14/2016</a:t>
+              <a:t>12/15/2016</a:t>
             </a:fld>
             <a:endParaRPr lang="en-US" dirty="0"/>
           </a:p>
@@ -6400,7 +6311,7 @@
           </a:lstStyle>
           <a:p>
             <a:r>
-              <a:rPr lang="en-US" smtClean="0"/>
+              <a:rPr lang="en-US"/>
               <a:t>Click to edit Master title style</a:t>
             </a:r>
             <a:endParaRPr lang="en-US" dirty="0"/>
@@ -6468,7 +6379,7 @@
           <a:p>
             <a:pPr lvl="0"/>
             <a:r>
-              <a:rPr lang="en-US" smtClean="0"/>
+              <a:rPr lang="en-US"/>
               <a:t>Click to edit Master text styles</a:t>
             </a:r>
           </a:p>
@@ -6498,35 +6409,35 @@
           <a:p>
             <a:pPr lvl="0"/>
             <a:r>
-              <a:rPr lang="en-US" smtClean="0"/>
+              <a:rPr lang="en-US"/>
               <a:t>Click to edit Master text styles</a:t>
             </a:r>
           </a:p>
           <a:p>
             <a:pPr lvl="1"/>
             <a:r>
-              <a:rPr lang="en-US" smtClean="0"/>
+              <a:rPr lang="en-US"/>
               <a:t>Second level</a:t>
             </a:r>
           </a:p>
           <a:p>
             <a:pPr lvl="2"/>
             <a:r>
-              <a:rPr lang="en-US" smtClean="0"/>
+              <a:rPr lang="en-US"/>
               <a:t>Third level</a:t>
             </a:r>
           </a:p>
           <a:p>
             <a:pPr lvl="3"/>
             <a:r>
-              <a:rPr lang="en-US" smtClean="0"/>
+              <a:rPr lang="en-US"/>
               <a:t>Fourth level</a:t>
             </a:r>
           </a:p>
           <a:p>
             <a:pPr lvl="4"/>
             <a:r>
-              <a:rPr lang="en-US" smtClean="0"/>
+              <a:rPr lang="en-US"/>
               <a:t>Fifth level</a:t>
             </a:r>
             <a:endParaRPr lang="en-US" dirty="0"/>
@@ -6594,7 +6505,7 @@
           <a:p>
             <a:pPr lvl="0"/>
             <a:r>
-              <a:rPr lang="en-US" smtClean="0"/>
+              <a:rPr lang="en-US"/>
               <a:t>Click to edit Master text styles</a:t>
             </a:r>
           </a:p>
@@ -6624,35 +6535,35 @@
           <a:p>
             <a:pPr lvl="0"/>
             <a:r>
-              <a:rPr lang="en-US" smtClean="0"/>
+              <a:rPr lang="en-US"/>
               <a:t>Click to edit Master text styles</a:t>
             </a:r>
           </a:p>
           <a:p>
             <a:pPr lvl="1"/>
             <a:r>
-              <a:rPr lang="en-US" smtClean="0"/>
+              <a:rPr lang="en-US"/>
               <a:t>Second level</a:t>
             </a:r>
           </a:p>
           <a:p>
             <a:pPr lvl="2"/>
             <a:r>
-              <a:rPr lang="en-US" smtClean="0"/>
+              <a:rPr lang="en-US"/>
               <a:t>Third level</a:t>
             </a:r>
           </a:p>
           <a:p>
             <a:pPr lvl="3"/>
             <a:r>
-              <a:rPr lang="en-US" smtClean="0"/>
+              <a:rPr lang="en-US"/>
               <a:t>Fourth level</a:t>
             </a:r>
           </a:p>
           <a:p>
             <a:pPr lvl="4"/>
             <a:r>
-              <a:rPr lang="en-US" smtClean="0"/>
+              <a:rPr lang="en-US"/>
               <a:t>Fifth level</a:t>
             </a:r>
             <a:endParaRPr lang="en-US" dirty="0"/>
@@ -6677,7 +6588,7 @@
             <a:fld id="{02640F58-564D-2B4F-AE67-E407BA4FCF45}" type="datetimeFigureOut">
               <a:rPr lang="en-US" dirty="0"/>
               <a:pPr/>
-              <a:t>12/14/2016</a:t>
+              <a:t>12/15/2016</a:t>
             </a:fld>
             <a:endParaRPr lang="en-US" dirty="0"/>
           </a:p>
@@ -6870,7 +6781,7 @@
           <a:lstStyle/>
           <a:p>
             <a:r>
-              <a:rPr lang="en-US" smtClean="0"/>
+              <a:rPr lang="en-US"/>
               <a:t>Click to edit Master title style</a:t>
             </a:r>
             <a:endParaRPr lang="en-US" dirty="0"/>
@@ -6895,7 +6806,7 @@
             <a:fld id="{F13A34C8-038E-2045-AF43-DF7DBB8E0E9E}" type="datetimeFigureOut">
               <a:rPr lang="en-US" dirty="0"/>
               <a:pPr/>
-              <a:t>12/14/2016</a:t>
+              <a:t>12/15/2016</a:t>
             </a:fld>
             <a:endParaRPr lang="en-US" dirty="0"/>
           </a:p>
@@ -6987,7 +6898,7 @@
             <a:fld id="{8818C68F-D26B-8F47-958C-23B49CF8A634}" type="datetimeFigureOut">
               <a:rPr lang="en-US" dirty="0"/>
               <a:pPr/>
-              <a:t>12/14/2016</a:t>
+              <a:t>12/15/2016</a:t>
             </a:fld>
             <a:endParaRPr lang="en-US" dirty="0"/>
           </a:p>
@@ -7302,7 +7213,7 @@
           </a:lstStyle>
           <a:p>
             <a:r>
-              <a:rPr lang="en-US" smtClean="0"/>
+              <a:rPr lang="en-US"/>
               <a:t>Click to edit Master title style</a:t>
             </a:r>
             <a:endParaRPr lang="en-US" dirty="0"/>
@@ -7333,35 +7244,35 @@
           <a:p>
             <a:pPr lvl="0"/>
             <a:r>
-              <a:rPr lang="en-US" smtClean="0"/>
+              <a:rPr lang="en-US"/>
               <a:t>Click to edit Master text styles</a:t>
             </a:r>
           </a:p>
           <a:p>
             <a:pPr lvl="1"/>
             <a:r>
-              <a:rPr lang="en-US" smtClean="0"/>
+              <a:rPr lang="en-US"/>
               <a:t>Second level</a:t>
             </a:r>
           </a:p>
           <a:p>
             <a:pPr lvl="2"/>
             <a:r>
-              <a:rPr lang="en-US" smtClean="0"/>
+              <a:rPr lang="en-US"/>
               <a:t>Third level</a:t>
             </a:r>
           </a:p>
           <a:p>
             <a:pPr lvl="3"/>
             <a:r>
-              <a:rPr lang="en-US" smtClean="0"/>
+              <a:rPr lang="en-US"/>
               <a:t>Fourth level</a:t>
             </a:r>
           </a:p>
           <a:p>
             <a:pPr lvl="4"/>
             <a:r>
-              <a:rPr lang="en-US" smtClean="0"/>
+              <a:rPr lang="en-US"/>
               <a:t>Fifth level</a:t>
             </a:r>
             <a:endParaRPr lang="en-US" dirty="0"/>
@@ -7427,7 +7338,7 @@
           <a:p>
             <a:pPr lvl="0"/>
             <a:r>
-              <a:rPr lang="en-US" smtClean="0"/>
+              <a:rPr lang="en-US"/>
               <a:t>Click to edit Master text styles</a:t>
             </a:r>
           </a:p>
@@ -7451,7 +7362,7 @@
             <a:fld id="{D0DF5E60-9974-AC48-9591-99C2BB44B7CF}" type="datetimeFigureOut">
               <a:rPr lang="en-US" dirty="0"/>
               <a:pPr/>
-              <a:t>12/14/2016</a:t>
+              <a:t>12/15/2016</a:t>
             </a:fld>
             <a:endParaRPr lang="en-US" dirty="0"/>
           </a:p>
@@ -7552,7 +7463,7 @@
           </a:lstStyle>
           <a:p>
             <a:r>
-              <a:rPr lang="en-US" smtClean="0"/>
+              <a:rPr lang="en-US"/>
               <a:t>Click to edit Master title style</a:t>
             </a:r>
             <a:endParaRPr lang="en-US" dirty="0"/>
@@ -7664,7 +7575,7 @@
           </a:lstStyle>
           <a:p>
             <a:r>
-              <a:rPr lang="en-US" smtClean="0"/>
+              <a:rPr lang="en-US"/>
               <a:t>Drag picture to placeholder or click icon to add</a:t>
             </a:r>
             <a:endParaRPr lang="en-US" dirty="0"/>
@@ -7732,7 +7643,7 @@
           <a:p>
             <a:pPr lvl="0"/>
             <a:r>
-              <a:rPr lang="en-US" smtClean="0"/>
+              <a:rPr lang="en-US"/>
               <a:t>Click to edit Master text styles</a:t>
             </a:r>
           </a:p>
@@ -7761,7 +7672,7 @@
             <a:fld id="{18C79C5D-2A6F-F04D-97DA-BEF2467B64E4}" type="datetimeFigureOut">
               <a:rPr lang="en-US" dirty="0"/>
               <a:pPr/>
-              <a:t>12/14/2016</a:t>
+              <a:t>12/15/2016</a:t>
             </a:fld>
             <a:endParaRPr lang="en-US" dirty="0"/>
           </a:p>
@@ -7883,7 +7794,7 @@
           <a:lstStyle/>
           <a:p>
             <a:r>
-              <a:rPr lang="en-US" smtClean="0"/>
+              <a:rPr lang="en-US"/>
               <a:t>Click to edit Master title style</a:t>
             </a:r>
             <a:endParaRPr lang="en-US" dirty="0"/>
@@ -7924,35 +7835,35 @@
           <a:p>
             <a:pPr lvl="0"/>
             <a:r>
-              <a:rPr lang="en-US" smtClean="0"/>
+              <a:rPr lang="en-US"/>
               <a:t>Click to edit Master text styles</a:t>
             </a:r>
           </a:p>
           <a:p>
             <a:pPr lvl="1"/>
             <a:r>
-              <a:rPr lang="en-US" smtClean="0"/>
+              <a:rPr lang="en-US"/>
               <a:t>Second level</a:t>
             </a:r>
           </a:p>
           <a:p>
             <a:pPr lvl="2"/>
             <a:r>
-              <a:rPr lang="en-US" smtClean="0"/>
+              <a:rPr lang="en-US"/>
               <a:t>Third level</a:t>
             </a:r>
           </a:p>
           <a:p>
             <a:pPr lvl="3"/>
             <a:r>
-              <a:rPr lang="en-US" smtClean="0"/>
+              <a:rPr lang="en-US"/>
               <a:t>Fourth level</a:t>
             </a:r>
           </a:p>
           <a:p>
             <a:pPr lvl="4"/>
             <a:r>
-              <a:rPr lang="en-US" smtClean="0"/>
+              <a:rPr lang="en-US"/>
               <a:t>Fifth level</a:t>
             </a:r>
             <a:endParaRPr lang="en-US" dirty="0"/>
@@ -8028,7 +7939,7 @@
             <a:fld id="{09B482E8-6E0E-1B4F-B1FD-C69DB9E858D9}" type="datetimeFigureOut">
               <a:rPr lang="en-US" dirty="0"/>
               <a:pPr/>
-              <a:t>12/14/2016</a:t>
+              <a:t>12/15/2016</a:t>
             </a:fld>
             <a:endParaRPr lang="en-US" dirty="0"/>
           </a:p>
@@ -8489,41 +8400,16 @@
           <a:bodyPr/>
           <a:lstStyle/>
           <a:p>
-            <a:r>
-              <a:rPr lang="en-US" dirty="0" smtClean="0"/>
-              <a:t/>
-            </a:r>
-            <a:br>
-              <a:rPr lang="en-US" dirty="0" smtClean="0"/>
-            </a:br>
-            <a:r>
-              <a:rPr lang="en-US" dirty="0"/>
-              <a:t/>
-            </a:r>
             <a:br>
               <a:rPr lang="en-US" dirty="0"/>
             </a:br>
-            <a:r>
-              <a:rPr lang="en-US" dirty="0" smtClean="0"/>
-              <a:t>Image </a:t>
-            </a:r>
-            <a:r>
+            <a:br>
               <a:rPr lang="en-US" dirty="0"/>
-              <a:t>S</a:t>
-            </a:r>
-            <a:r>
-              <a:rPr lang="en-US" dirty="0" smtClean="0"/>
-              <a:t>plicing </a:t>
-            </a:r>
+            </a:br>
             <a:r>
               <a:rPr lang="en-US" dirty="0"/>
-              <a:t>U</a:t>
-            </a:r>
-            <a:r>
-              <a:rPr lang="en-US" dirty="0" smtClean="0"/>
-              <a:t>sing Segmentation and Poisson Blending</a:t>
-            </a:r>
-            <a:endParaRPr lang="en-US" dirty="0"/>
+              <a:t>Image Splicing Using Segmentation and Poisson Blending</a:t>
+            </a:r>
           </a:p>
         </p:txBody>
       </p:sp>
@@ -8543,10 +8429,9 @@
           <a:lstStyle/>
           <a:p>
             <a:r>
-              <a:rPr lang="en-US" dirty="0" smtClean="0"/>
+              <a:rPr lang="en-US" dirty="0"/>
               <a:t>By: Bradley Miller, Matt Nicol and James Merrill</a:t>
             </a:r>
-            <a:endParaRPr lang="en-US" dirty="0"/>
           </a:p>
         </p:txBody>
       </p:sp>
@@ -8596,744 +8481,9 @@
           <a:lstStyle/>
           <a:p>
             <a:r>
-              <a:rPr lang="en-US" dirty="0" smtClean="0"/>
-              <a:t>Poisson Blending</a:t>
-            </a:r>
-            <a:endParaRPr lang="en-US" dirty="0"/>
-          </a:p>
-        </p:txBody>
-      </p:sp>
-      <p:sp>
-        <p:nvSpPr>
-          <p:cNvPr id="3" name="Content Placeholder 2"/>
-          <p:cNvSpPr>
-            <a:spLocks noGrp="1"/>
-          </p:cNvSpPr>
-          <p:nvPr>
-            <p:ph idx="1"/>
-          </p:nvPr>
-        </p:nvSpPr>
-        <p:spPr/>
-        <p:txBody>
-          <a:bodyPr/>
-          <a:lstStyle/>
-          <a:p>
-            <a:r>
-              <a:rPr lang="en-US" dirty="0" smtClean="0"/>
-              <a:t>We need to add our image to the background and make the edges of our spliced image less obvious.</a:t>
-            </a:r>
-          </a:p>
-          <a:p>
-            <a:r>
-              <a:rPr lang="en-US" dirty="0" smtClean="0"/>
-              <a:t>Solution: Use Poisson blending to preserve the pixel gradients of the image</a:t>
-            </a:r>
-          </a:p>
-          <a:p>
-            <a:pPr marL="0" indent="0">
-              <a:buNone/>
-            </a:pPr>
-            <a:endParaRPr lang="en-US" dirty="0"/>
-          </a:p>
-          <a:p>
-            <a:endParaRPr lang="en-US" dirty="0" smtClean="0"/>
-          </a:p>
-          <a:p>
-            <a:pPr marL="0" indent="0">
-              <a:buNone/>
-            </a:pPr>
-            <a:endParaRPr lang="en-US" dirty="0"/>
-          </a:p>
-          <a:p>
-            <a:pPr marL="0" indent="0">
-              <a:buNone/>
-            </a:pPr>
-            <a:r>
-              <a:rPr lang="en-US" dirty="0" smtClean="0"/>
-              <a:t>For more information on Poisson Blending see </a:t>
-            </a:r>
-            <a:r>
-              <a:rPr lang="en-US" i="1" dirty="0" smtClean="0"/>
-              <a:t>Poisson Image </a:t>
-            </a:r>
-            <a:r>
-              <a:rPr lang="en-US" i="1" dirty="0"/>
-              <a:t>Editing</a:t>
-            </a:r>
-            <a:r>
               <a:rPr lang="en-US" dirty="0"/>
-              <a:t> by </a:t>
-            </a:r>
-            <a:r>
-              <a:rPr lang="en-US" dirty="0"/>
-              <a:t>Pérez, et al.</a:t>
-            </a:r>
-          </a:p>
-          <a:p>
-            <a:pPr marL="0" indent="0">
-              <a:buNone/>
-            </a:pPr>
-            <a:endParaRPr lang="en-US" dirty="0"/>
-          </a:p>
-        </p:txBody>
-      </p:sp>
-    </p:spTree>
-    <p:extLst>
-      <p:ext uri="{BB962C8B-B14F-4D97-AF65-F5344CB8AC3E}">
-        <p14:creationId xmlns:p14="http://schemas.microsoft.com/office/powerpoint/2010/main" val="286546312"/>
-      </p:ext>
-    </p:extLst>
-  </p:cSld>
-  <p:clrMapOvr>
-    <a:masterClrMapping/>
-  </p:clrMapOvr>
-</p:sld>
-</file>
-
-<file path=ppt/slides/slide11.xml><?xml version="1.0" encoding="utf-8"?>
-<p:sld xmlns:a="http://schemas.openxmlformats.org/drawingml/2006/main" xmlns:r="http://schemas.openxmlformats.org/officeDocument/2006/relationships" xmlns:p="http://schemas.openxmlformats.org/presentationml/2006/main">
-  <p:cSld>
-    <p:spTree>
-      <p:nvGrpSpPr>
-        <p:cNvPr id="1" name=""/>
-        <p:cNvGrpSpPr/>
-        <p:nvPr/>
-      </p:nvGrpSpPr>
-      <p:grpSpPr>
-        <a:xfrm>
-          <a:off x="0" y="0"/>
-          <a:ext cx="0" cy="0"/>
-          <a:chOff x="0" y="0"/>
-          <a:chExt cx="0" cy="0"/>
-        </a:xfrm>
-      </p:grpSpPr>
-      <p:sp>
-        <p:nvSpPr>
-          <p:cNvPr id="2" name="Title 1"/>
-          <p:cNvSpPr>
-            <a:spLocks noGrp="1"/>
-          </p:cNvSpPr>
-          <p:nvPr>
-            <p:ph type="title"/>
-          </p:nvPr>
-        </p:nvSpPr>
-        <p:spPr/>
-        <p:txBody>
-          <a:bodyPr/>
-          <a:lstStyle/>
-          <a:p>
-            <a:r>
-              <a:rPr lang="en-US" dirty="0" smtClean="0"/>
-              <a:t>Poisson Blending</a:t>
-            </a:r>
-            <a:endParaRPr lang="en-US" dirty="0"/>
-          </a:p>
-        </p:txBody>
-      </p:sp>
-      <p:sp>
-        <p:nvSpPr>
-          <p:cNvPr id="3" name="Content Placeholder 2"/>
-          <p:cNvSpPr>
-            <a:spLocks noGrp="1"/>
-          </p:cNvSpPr>
-          <p:nvPr>
-            <p:ph idx="1"/>
-          </p:nvPr>
-        </p:nvSpPr>
-        <p:spPr/>
-        <p:txBody>
-          <a:bodyPr/>
-          <a:lstStyle/>
-          <a:p>
-            <a:r>
-              <a:rPr lang="en-US" dirty="0" smtClean="0"/>
-              <a:t>For each pixel from the source image, we must solve an equation where the difference between the pixel and its neighbors is the same as the difference between the target pixel and its neighbors. We use a Laplacian filter to compute this difference.</a:t>
-            </a:r>
-          </a:p>
-          <a:p>
-            <a:r>
-              <a:rPr lang="en-US" dirty="0" smtClean="0"/>
-              <a:t>That’s a lot of equations with a lot of unknowns.</a:t>
-            </a:r>
-          </a:p>
-          <a:p>
-            <a:r>
-              <a:rPr lang="en-US" dirty="0" smtClean="0"/>
-              <a:t>Luckily we can use a matrix to solve all of the equations at once. It’s a big matrix though.</a:t>
-            </a:r>
-          </a:p>
-          <a:p>
-            <a:r>
-              <a:rPr lang="en-US" dirty="0" smtClean="0"/>
-              <a:t>It all boils down to A*x = b where A shows adjacency, b shows our known coefficients and x shows our resulting pixels. </a:t>
-            </a:r>
-            <a:endParaRPr lang="en-US" dirty="0"/>
-          </a:p>
-        </p:txBody>
-      </p:sp>
-    </p:spTree>
-    <p:extLst>
-      <p:ext uri="{BB962C8B-B14F-4D97-AF65-F5344CB8AC3E}">
-        <p14:creationId xmlns:p14="http://schemas.microsoft.com/office/powerpoint/2010/main" val="241519488"/>
-      </p:ext>
-    </p:extLst>
-  </p:cSld>
-  <p:clrMapOvr>
-    <a:masterClrMapping/>
-  </p:clrMapOvr>
-</p:sld>
-</file>
-
-<file path=ppt/slides/slide12.xml><?xml version="1.0" encoding="utf-8"?>
-<p:sld xmlns:a="http://schemas.openxmlformats.org/drawingml/2006/main" xmlns:r="http://schemas.openxmlformats.org/officeDocument/2006/relationships" xmlns:p="http://schemas.openxmlformats.org/presentationml/2006/main">
-  <p:cSld>
-    <p:spTree>
-      <p:nvGrpSpPr>
-        <p:cNvPr id="1" name=""/>
-        <p:cNvGrpSpPr/>
-        <p:nvPr/>
-      </p:nvGrpSpPr>
-      <p:grpSpPr>
-        <a:xfrm>
-          <a:off x="0" y="0"/>
-          <a:ext cx="0" cy="0"/>
-          <a:chOff x="0" y="0"/>
-          <a:chExt cx="0" cy="0"/>
-        </a:xfrm>
-      </p:grpSpPr>
-      <p:sp>
-        <p:nvSpPr>
-          <p:cNvPr id="2" name="Title 1"/>
-          <p:cNvSpPr>
-            <a:spLocks noGrp="1"/>
-          </p:cNvSpPr>
-          <p:nvPr>
-            <p:ph type="title"/>
-          </p:nvPr>
-        </p:nvSpPr>
-        <p:spPr/>
-        <p:txBody>
-          <a:bodyPr/>
-          <a:lstStyle/>
-          <a:p>
-            <a:r>
-              <a:rPr lang="en-US" smtClean="0"/>
-              <a:t>Results???</a:t>
-            </a:r>
-            <a:endParaRPr lang="en-US"/>
-          </a:p>
-        </p:txBody>
-      </p:sp>
-      <p:sp>
-        <p:nvSpPr>
-          <p:cNvPr id="3" name="Content Placeholder 2"/>
-          <p:cNvSpPr>
-            <a:spLocks noGrp="1"/>
-          </p:cNvSpPr>
-          <p:nvPr>
-            <p:ph idx="1"/>
-          </p:nvPr>
-        </p:nvSpPr>
-        <p:spPr/>
-        <p:txBody>
-          <a:bodyPr/>
-          <a:lstStyle/>
-          <a:p>
-            <a:endParaRPr lang="en-US"/>
-          </a:p>
-        </p:txBody>
-      </p:sp>
-    </p:spTree>
-    <p:extLst>
-      <p:ext uri="{BB962C8B-B14F-4D97-AF65-F5344CB8AC3E}">
-        <p14:creationId xmlns:p14="http://schemas.microsoft.com/office/powerpoint/2010/main" val="125758507"/>
-      </p:ext>
-    </p:extLst>
-  </p:cSld>
-  <p:clrMapOvr>
-    <a:masterClrMapping/>
-  </p:clrMapOvr>
-</p:sld>
-</file>
-
-<file path=ppt/slides/slide2.xml><?xml version="1.0" encoding="utf-8"?>
-<p:sld xmlns:a="http://schemas.openxmlformats.org/drawingml/2006/main" xmlns:r="http://schemas.openxmlformats.org/officeDocument/2006/relationships" xmlns:p="http://schemas.openxmlformats.org/presentationml/2006/main">
-  <p:cSld>
-    <p:spTree>
-      <p:nvGrpSpPr>
-        <p:cNvPr id="1" name=""/>
-        <p:cNvGrpSpPr/>
-        <p:nvPr/>
-      </p:nvGrpSpPr>
-      <p:grpSpPr>
-        <a:xfrm>
-          <a:off x="0" y="0"/>
-          <a:ext cx="0" cy="0"/>
-          <a:chOff x="0" y="0"/>
-          <a:chExt cx="0" cy="0"/>
-        </a:xfrm>
-      </p:grpSpPr>
-      <p:sp>
-        <p:nvSpPr>
-          <p:cNvPr id="2" name="Title 1"/>
-          <p:cNvSpPr>
-            <a:spLocks noGrp="1"/>
-          </p:cNvSpPr>
-          <p:nvPr>
-            <p:ph type="title"/>
-          </p:nvPr>
-        </p:nvSpPr>
-        <p:spPr/>
-        <p:txBody>
-          <a:bodyPr/>
-          <a:lstStyle/>
-          <a:p>
-            <a:r>
-              <a:rPr lang="en-US" dirty="0" smtClean="0"/>
-              <a:t>Idea</a:t>
-            </a:r>
-            <a:endParaRPr lang="en-US" dirty="0"/>
-          </a:p>
-        </p:txBody>
-      </p:sp>
-      <p:sp>
-        <p:nvSpPr>
-          <p:cNvPr id="3" name="Content Placeholder 2"/>
-          <p:cNvSpPr>
-            <a:spLocks noGrp="1"/>
-          </p:cNvSpPr>
-          <p:nvPr>
-            <p:ph idx="1"/>
-          </p:nvPr>
-        </p:nvSpPr>
-        <p:spPr/>
-        <p:txBody>
-          <a:bodyPr/>
-          <a:lstStyle/>
-          <a:p>
-            <a:r>
-              <a:rPr lang="en-US" dirty="0" smtClean="0"/>
-              <a:t>Take two Images</a:t>
-            </a:r>
-          </a:p>
-          <a:p>
-            <a:r>
-              <a:rPr lang="en-US" dirty="0" smtClean="0"/>
-              <a:t>Have user draw a box around an object in one image</a:t>
-            </a:r>
-          </a:p>
-          <a:p>
-            <a:r>
-              <a:rPr lang="en-US" dirty="0" smtClean="0"/>
-              <a:t>Auto cut out that object from inside the box</a:t>
-            </a:r>
-          </a:p>
-          <a:p>
-            <a:r>
-              <a:rPr lang="en-US" dirty="0" smtClean="0"/>
-              <a:t>Place the object in the second image and blend it</a:t>
-            </a:r>
-            <a:endParaRPr lang="en-US" dirty="0"/>
-          </a:p>
-        </p:txBody>
-      </p:sp>
-    </p:spTree>
-    <p:extLst>
-      <p:ext uri="{BB962C8B-B14F-4D97-AF65-F5344CB8AC3E}">
-        <p14:creationId xmlns:p14="http://schemas.microsoft.com/office/powerpoint/2010/main" val="134010165"/>
-      </p:ext>
-    </p:extLst>
-  </p:cSld>
-  <p:clrMapOvr>
-    <a:masterClrMapping/>
-  </p:clrMapOvr>
-</p:sld>
-</file>
-
-<file path=ppt/slides/slide3.xml><?xml version="1.0" encoding="utf-8"?>
-<p:sld xmlns:a="http://schemas.openxmlformats.org/drawingml/2006/main" xmlns:r="http://schemas.openxmlformats.org/officeDocument/2006/relationships" xmlns:p="http://schemas.openxmlformats.org/presentationml/2006/main">
-  <p:cSld>
-    <p:spTree>
-      <p:nvGrpSpPr>
-        <p:cNvPr id="1" name=""/>
-        <p:cNvGrpSpPr/>
-        <p:nvPr/>
-      </p:nvGrpSpPr>
-      <p:grpSpPr>
-        <a:xfrm>
-          <a:off x="0" y="0"/>
-          <a:ext cx="0" cy="0"/>
-          <a:chOff x="0" y="0"/>
-          <a:chExt cx="0" cy="0"/>
-        </a:xfrm>
-      </p:grpSpPr>
-      <p:sp>
-        <p:nvSpPr>
-          <p:cNvPr id="2" name="Title 1"/>
-          <p:cNvSpPr>
-            <a:spLocks noGrp="1"/>
-          </p:cNvSpPr>
-          <p:nvPr>
-            <p:ph type="title"/>
-          </p:nvPr>
-        </p:nvSpPr>
-        <p:spPr/>
-        <p:txBody>
-          <a:bodyPr/>
-          <a:lstStyle/>
-          <a:p>
-            <a:r>
-              <a:rPr lang="en-US" dirty="0" smtClean="0"/>
-              <a:t>Motivation</a:t>
-            </a:r>
-            <a:endParaRPr lang="en-US" dirty="0"/>
-          </a:p>
-        </p:txBody>
-      </p:sp>
-      <p:sp>
-        <p:nvSpPr>
-          <p:cNvPr id="3" name="Content Placeholder 2"/>
-          <p:cNvSpPr>
-            <a:spLocks noGrp="1"/>
-          </p:cNvSpPr>
-          <p:nvPr>
-            <p:ph idx="1"/>
-          </p:nvPr>
-        </p:nvSpPr>
-        <p:spPr/>
-        <p:txBody>
-          <a:bodyPr/>
-          <a:lstStyle/>
-          <a:p>
-            <a:r>
-              <a:rPr lang="en-US" dirty="0" smtClean="0"/>
-              <a:t>Challenging Project</a:t>
-            </a:r>
-          </a:p>
-          <a:p>
-            <a:r>
-              <a:rPr lang="en-US" dirty="0" smtClean="0"/>
-              <a:t>Used ideas that we had learned all semester</a:t>
-            </a:r>
-          </a:p>
-          <a:p>
-            <a:r>
-              <a:rPr lang="en-US" dirty="0" smtClean="0"/>
-              <a:t>Make for stream lined segmentation and blending </a:t>
-            </a:r>
-            <a:endParaRPr lang="en-US" dirty="0"/>
-          </a:p>
-        </p:txBody>
-      </p:sp>
-    </p:spTree>
-    <p:extLst>
-      <p:ext uri="{BB962C8B-B14F-4D97-AF65-F5344CB8AC3E}">
-        <p14:creationId xmlns:p14="http://schemas.microsoft.com/office/powerpoint/2010/main" val="1487778285"/>
-      </p:ext>
-    </p:extLst>
-  </p:cSld>
-  <p:clrMapOvr>
-    <a:masterClrMapping/>
-  </p:clrMapOvr>
-</p:sld>
-</file>
-
-<file path=ppt/slides/slide4.xml><?xml version="1.0" encoding="utf-8"?>
-<p:sld xmlns:a="http://schemas.openxmlformats.org/drawingml/2006/main" xmlns:r="http://schemas.openxmlformats.org/officeDocument/2006/relationships" xmlns:p="http://schemas.openxmlformats.org/presentationml/2006/main">
-  <p:cSld>
-    <p:spTree>
-      <p:nvGrpSpPr>
-        <p:cNvPr id="1" name=""/>
-        <p:cNvGrpSpPr/>
-        <p:nvPr/>
-      </p:nvGrpSpPr>
-      <p:grpSpPr>
-        <a:xfrm>
-          <a:off x="0" y="0"/>
-          <a:ext cx="0" cy="0"/>
-          <a:chOff x="0" y="0"/>
-          <a:chExt cx="0" cy="0"/>
-        </a:xfrm>
-      </p:grpSpPr>
-      <p:sp>
-        <p:nvSpPr>
-          <p:cNvPr id="2" name="Title 1"/>
-          <p:cNvSpPr>
-            <a:spLocks noGrp="1"/>
-          </p:cNvSpPr>
-          <p:nvPr>
-            <p:ph type="title"/>
-          </p:nvPr>
-        </p:nvSpPr>
-        <p:spPr/>
-        <p:txBody>
-          <a:bodyPr/>
-          <a:lstStyle/>
-          <a:p>
-            <a:r>
-              <a:rPr lang="en-US" dirty="0" smtClean="0"/>
-              <a:t>Method</a:t>
-            </a:r>
-            <a:endParaRPr lang="en-US" dirty="0"/>
-          </a:p>
-        </p:txBody>
-      </p:sp>
-      <p:graphicFrame>
-        <p:nvGraphicFramePr>
-          <p:cNvPr id="4" name="Content Placeholder 3"/>
-          <p:cNvGraphicFramePr>
-            <a:graphicFrameLocks noGrp="1"/>
-          </p:cNvGraphicFramePr>
-          <p:nvPr>
-            <p:ph idx="1"/>
-            <p:extLst>
-              <p:ext uri="{D42A27DB-BD31-4B8C-83A1-F6EECF244321}">
-                <p14:modId xmlns:p14="http://schemas.microsoft.com/office/powerpoint/2010/main" val="684507583"/>
-              </p:ext>
-            </p:extLst>
-          </p:nvPr>
-        </p:nvGraphicFramePr>
-        <p:xfrm>
-          <a:off x="819150" y="2222500"/>
-          <a:ext cx="10553700" cy="3636963"/>
-        </p:xfrm>
-        <a:graphic>
-          <a:graphicData uri="http://schemas.openxmlformats.org/drawingml/2006/diagram">
-            <dgm:relIds xmlns:dgm="http://schemas.openxmlformats.org/drawingml/2006/diagram" xmlns:r="http://schemas.openxmlformats.org/officeDocument/2006/relationships" r:dm="rId2" r:lo="rId3" r:qs="rId4" r:cs="rId5"/>
-          </a:graphicData>
-        </a:graphic>
-      </p:graphicFrame>
-    </p:spTree>
-    <p:extLst>
-      <p:ext uri="{BB962C8B-B14F-4D97-AF65-F5344CB8AC3E}">
-        <p14:creationId xmlns:p14="http://schemas.microsoft.com/office/powerpoint/2010/main" val="62163776"/>
-      </p:ext>
-    </p:extLst>
-  </p:cSld>
-  <p:clrMapOvr>
-    <a:masterClrMapping/>
-  </p:clrMapOvr>
-</p:sld>
-</file>
-
-<file path=ppt/slides/slide5.xml><?xml version="1.0" encoding="utf-8"?>
-<p:sld xmlns:a="http://schemas.openxmlformats.org/drawingml/2006/main" xmlns:r="http://schemas.openxmlformats.org/officeDocument/2006/relationships" xmlns:p="http://schemas.openxmlformats.org/presentationml/2006/main">
-  <p:cSld>
-    <p:spTree>
-      <p:nvGrpSpPr>
-        <p:cNvPr id="1" name=""/>
-        <p:cNvGrpSpPr/>
-        <p:nvPr/>
-      </p:nvGrpSpPr>
-      <p:grpSpPr>
-        <a:xfrm>
-          <a:off x="0" y="0"/>
-          <a:ext cx="0" cy="0"/>
-          <a:chOff x="0" y="0"/>
-          <a:chExt cx="0" cy="0"/>
-        </a:xfrm>
-      </p:grpSpPr>
-      <p:sp>
-        <p:nvSpPr>
-          <p:cNvPr id="2" name="Title 1"/>
-          <p:cNvSpPr>
-            <a:spLocks noGrp="1"/>
-          </p:cNvSpPr>
-          <p:nvPr>
-            <p:ph type="title"/>
-          </p:nvPr>
-        </p:nvSpPr>
-        <p:spPr/>
-        <p:txBody>
-          <a:bodyPr/>
-          <a:lstStyle/>
-          <a:p>
-            <a:r>
-              <a:rPr lang="en-US" dirty="0" smtClean="0"/>
-              <a:t>Matts Part different title here</a:t>
-            </a:r>
-            <a:endParaRPr lang="en-US" dirty="0"/>
-          </a:p>
-        </p:txBody>
-      </p:sp>
-      <p:sp>
-        <p:nvSpPr>
-          <p:cNvPr id="3" name="Content Placeholder 2"/>
-          <p:cNvSpPr>
-            <a:spLocks noGrp="1"/>
-          </p:cNvSpPr>
-          <p:nvPr>
-            <p:ph idx="1"/>
-          </p:nvPr>
-        </p:nvSpPr>
-        <p:spPr/>
-        <p:txBody>
-          <a:bodyPr/>
-          <a:lstStyle/>
-          <a:p>
-            <a:endParaRPr lang="en-US"/>
-          </a:p>
-        </p:txBody>
-      </p:sp>
-    </p:spTree>
-    <p:extLst>
-      <p:ext uri="{BB962C8B-B14F-4D97-AF65-F5344CB8AC3E}">
-        <p14:creationId xmlns:p14="http://schemas.microsoft.com/office/powerpoint/2010/main" val="934251556"/>
-      </p:ext>
-    </p:extLst>
-  </p:cSld>
-  <p:clrMapOvr>
-    <a:masterClrMapping/>
-  </p:clrMapOvr>
-</p:sld>
-</file>
-
-<file path=ppt/slides/slide6.xml><?xml version="1.0" encoding="utf-8"?>
-<p:sld xmlns:a="http://schemas.openxmlformats.org/drawingml/2006/main" xmlns:r="http://schemas.openxmlformats.org/officeDocument/2006/relationships" xmlns:p="http://schemas.openxmlformats.org/presentationml/2006/main">
-  <p:cSld>
-    <p:spTree>
-      <p:nvGrpSpPr>
-        <p:cNvPr id="1" name=""/>
-        <p:cNvGrpSpPr/>
-        <p:nvPr/>
-      </p:nvGrpSpPr>
-      <p:grpSpPr>
-        <a:xfrm>
-          <a:off x="0" y="0"/>
-          <a:ext cx="0" cy="0"/>
-          <a:chOff x="0" y="0"/>
-          <a:chExt cx="0" cy="0"/>
-        </a:xfrm>
-      </p:grpSpPr>
-      <p:sp>
-        <p:nvSpPr>
-          <p:cNvPr id="2" name="Title 1"/>
-          <p:cNvSpPr>
-            <a:spLocks noGrp="1"/>
-          </p:cNvSpPr>
-          <p:nvPr>
-            <p:ph type="title"/>
-          </p:nvPr>
-        </p:nvSpPr>
-        <p:spPr/>
-        <p:txBody>
-          <a:bodyPr/>
-          <a:lstStyle/>
-          <a:p>
-            <a:r>
-              <a:rPr lang="en-US" dirty="0" smtClean="0"/>
-              <a:t>Image Segmentation</a:t>
-            </a:r>
-            <a:endParaRPr lang="en-US" dirty="0"/>
-          </a:p>
-        </p:txBody>
-      </p:sp>
-      <p:sp>
-        <p:nvSpPr>
-          <p:cNvPr id="3" name="Content Placeholder 2"/>
-          <p:cNvSpPr>
-            <a:spLocks noGrp="1"/>
-          </p:cNvSpPr>
-          <p:nvPr>
-            <p:ph idx="1"/>
-          </p:nvPr>
-        </p:nvSpPr>
-        <p:spPr/>
-        <p:txBody>
-          <a:bodyPr/>
-          <a:lstStyle/>
-          <a:p>
-            <a:r>
-              <a:rPr lang="en-US" dirty="0" smtClean="0"/>
-              <a:t>Methods thought about using:</a:t>
-            </a:r>
-          </a:p>
-          <a:p>
-            <a:pPr lvl="1"/>
-            <a:r>
-              <a:rPr lang="en-US" dirty="0" smtClean="0"/>
-              <a:t>K-Means</a:t>
-            </a:r>
-          </a:p>
-          <a:p>
-            <a:pPr lvl="1"/>
-            <a:r>
-              <a:rPr lang="en-US" dirty="0" smtClean="0"/>
-              <a:t>Simple Distance between two pixels Algorithm</a:t>
-            </a:r>
-          </a:p>
-          <a:p>
-            <a:pPr lvl="1"/>
-            <a:r>
-              <a:rPr lang="en-US" dirty="0" smtClean="0"/>
-              <a:t>K-Means between foreground and background </a:t>
-            </a:r>
-            <a:r>
-              <a:rPr lang="en-US" dirty="0" err="1" smtClean="0"/>
-              <a:t>gorupings</a:t>
-            </a:r>
-            <a:endParaRPr lang="en-US" dirty="0" smtClean="0"/>
-          </a:p>
-          <a:p>
-            <a:pPr lvl="1"/>
-            <a:endParaRPr lang="en-US" dirty="0" smtClean="0"/>
-          </a:p>
-          <a:p>
-            <a:pPr lvl="1"/>
-            <a:endParaRPr lang="en-US" dirty="0"/>
-          </a:p>
-        </p:txBody>
-      </p:sp>
-    </p:spTree>
-    <p:extLst>
-      <p:ext uri="{BB962C8B-B14F-4D97-AF65-F5344CB8AC3E}">
-        <p14:creationId xmlns:p14="http://schemas.microsoft.com/office/powerpoint/2010/main" val="933188122"/>
-      </p:ext>
-    </p:extLst>
-  </p:cSld>
-  <p:clrMapOvr>
-    <a:masterClrMapping/>
-  </p:clrMapOvr>
-</p:sld>
-</file>
-
-<file path=ppt/slides/slide7.xml><?xml version="1.0" encoding="utf-8"?>
-<p:sld xmlns:a="http://schemas.openxmlformats.org/drawingml/2006/main" xmlns:r="http://schemas.openxmlformats.org/officeDocument/2006/relationships" xmlns:p="http://schemas.openxmlformats.org/presentationml/2006/main">
-  <p:cSld>
-    <p:spTree>
-      <p:nvGrpSpPr>
-        <p:cNvPr id="1" name=""/>
-        <p:cNvGrpSpPr/>
-        <p:nvPr/>
-      </p:nvGrpSpPr>
-      <p:grpSpPr>
-        <a:xfrm>
-          <a:off x="0" y="0"/>
-          <a:ext cx="0" cy="0"/>
-          <a:chOff x="0" y="0"/>
-          <a:chExt cx="0" cy="0"/>
-        </a:xfrm>
-      </p:grpSpPr>
-      <p:sp>
-        <p:nvSpPr>
-          <p:cNvPr id="2" name="Title 1"/>
-          <p:cNvSpPr>
-            <a:spLocks noGrp="1"/>
-          </p:cNvSpPr>
-          <p:nvPr>
-            <p:ph type="title"/>
-          </p:nvPr>
-        </p:nvSpPr>
-        <p:spPr/>
-        <p:txBody>
-          <a:bodyPr/>
-          <a:lstStyle/>
-          <a:p>
-            <a:r>
-              <a:rPr lang="en-US" dirty="0" smtClean="0"/>
               <a:t>K-means</a:t>
             </a:r>
-            <a:endParaRPr lang="en-US" dirty="0"/>
           </a:p>
         </p:txBody>
       </p:sp>
@@ -9410,7 +8560,7 @@
 </p:sld>
 </file>
 
-<file path=ppt/slides/slide8.xml><?xml version="1.0" encoding="utf-8"?>
+<file path=ppt/slides/slide11.xml><?xml version="1.0" encoding="utf-8"?>
 <p:sld xmlns:a="http://schemas.openxmlformats.org/drawingml/2006/main" xmlns:r="http://schemas.openxmlformats.org/officeDocument/2006/relationships" xmlns:p="http://schemas.openxmlformats.org/presentationml/2006/main">
   <p:cSld>
     <p:spTree>
@@ -9443,10 +8593,9 @@
           <a:lstStyle/>
           <a:p>
             <a:r>
-              <a:rPr lang="en-US" dirty="0" smtClean="0"/>
+              <a:rPr lang="en-US" dirty="0"/>
               <a:t>Two Pixel Distance</a:t>
             </a:r>
-            <a:endParaRPr lang="en-US" dirty="0"/>
           </a:p>
         </p:txBody>
       </p:sp>
@@ -9525,7 +8674,7 @@
 </p:sld>
 </file>
 
-<file path=ppt/slides/slide9.xml><?xml version="1.0" encoding="utf-8"?>
+<file path=ppt/slides/slide12.xml><?xml version="1.0" encoding="utf-8"?>
 <p:sld xmlns:a="http://schemas.openxmlformats.org/drawingml/2006/main" xmlns:r="http://schemas.openxmlformats.org/officeDocument/2006/relationships" xmlns:p="http://schemas.openxmlformats.org/presentationml/2006/main">
   <p:cSld>
     <p:spTree>
@@ -9563,14 +8712,13 @@
           <a:lstStyle/>
           <a:p>
             <a:r>
-              <a:rPr lang="en-US" dirty="0" smtClean="0"/>
+              <a:rPr lang="en-US" dirty="0"/>
               <a:t>K-means with foreground </a:t>
             </a:r>
             <a:r>
-              <a:rPr lang="en-US" smtClean="0"/>
+              <a:rPr lang="en-US"/>
               <a:t>and background</a:t>
             </a:r>
-            <a:endParaRPr lang="en-US"/>
           </a:p>
         </p:txBody>
       </p:sp>
@@ -9858,35 +9006,35 @@
           <a:p>
             <a:pPr lvl="1"/>
             <a:r>
-              <a:rPr lang="en-US" dirty="0" smtClean="0"/>
+              <a:rPr lang="en-US" dirty="0"/>
               <a:t>Find the K-means for both foreground and background</a:t>
             </a:r>
           </a:p>
           <a:p>
             <a:pPr lvl="2"/>
             <a:r>
-              <a:rPr lang="en-US" dirty="0" smtClean="0"/>
+              <a:rPr lang="en-US" dirty="0"/>
               <a:t>Background is outside of user drawn box</a:t>
             </a:r>
           </a:p>
           <a:p>
             <a:pPr lvl="1"/>
             <a:r>
-              <a:rPr lang="en-US" dirty="0" smtClean="0"/>
+              <a:rPr lang="en-US" dirty="0"/>
               <a:t>For each K-mean in the foreground measure the distance from the center of it to the center of the K-means in the background</a:t>
             </a:r>
           </a:p>
           <a:p>
             <a:pPr lvl="1"/>
             <a:r>
-              <a:rPr lang="en-US" dirty="0" smtClean="0"/>
+              <a:rPr lang="en-US" dirty="0"/>
               <a:t>If the K-mean is within a certain distance then add it to background</a:t>
             </a:r>
           </a:p>
           <a:p>
             <a:pPr lvl="1"/>
             <a:r>
-              <a:rPr lang="en-US" dirty="0" smtClean="0"/>
+              <a:rPr lang="en-US" dirty="0"/>
               <a:t>Repeat until desired result </a:t>
             </a:r>
           </a:p>
@@ -9900,6 +9048,1533 @@
     <p:extLst>
       <p:ext uri="{BB962C8B-B14F-4D97-AF65-F5344CB8AC3E}">
         <p14:creationId xmlns:p14="http://schemas.microsoft.com/office/powerpoint/2010/main" val="777250044"/>
+      </p:ext>
+    </p:extLst>
+  </p:cSld>
+  <p:clrMapOvr>
+    <a:masterClrMapping/>
+  </p:clrMapOvr>
+</p:sld>
+</file>
+
+<file path=ppt/slides/slide13.xml><?xml version="1.0" encoding="utf-8"?>
+<p:sld xmlns:a="http://schemas.openxmlformats.org/drawingml/2006/main" xmlns:r="http://schemas.openxmlformats.org/officeDocument/2006/relationships" xmlns:p="http://schemas.openxmlformats.org/presentationml/2006/main">
+  <p:cSld>
+    <p:spTree>
+      <p:nvGrpSpPr>
+        <p:cNvPr id="1" name=""/>
+        <p:cNvGrpSpPr/>
+        <p:nvPr/>
+      </p:nvGrpSpPr>
+      <p:grpSpPr>
+        <a:xfrm>
+          <a:off x="0" y="0"/>
+          <a:ext cx="0" cy="0"/>
+          <a:chOff x="0" y="0"/>
+          <a:chExt cx="0" cy="0"/>
+        </a:xfrm>
+      </p:grpSpPr>
+      <p:sp>
+        <p:nvSpPr>
+          <p:cNvPr id="2" name="Title 1"/>
+          <p:cNvSpPr>
+            <a:spLocks noGrp="1"/>
+          </p:cNvSpPr>
+          <p:nvPr>
+            <p:ph type="title"/>
+          </p:nvPr>
+        </p:nvSpPr>
+        <p:spPr/>
+        <p:txBody>
+          <a:bodyPr/>
+          <a:lstStyle/>
+          <a:p>
+            <a:r>
+              <a:rPr lang="en-US" dirty="0"/>
+              <a:t>Poisson Blending</a:t>
+            </a:r>
+          </a:p>
+        </p:txBody>
+      </p:sp>
+      <p:sp>
+        <p:nvSpPr>
+          <p:cNvPr id="3" name="Content Placeholder 2"/>
+          <p:cNvSpPr>
+            <a:spLocks noGrp="1"/>
+          </p:cNvSpPr>
+          <p:nvPr>
+            <p:ph idx="1"/>
+          </p:nvPr>
+        </p:nvSpPr>
+        <p:spPr/>
+        <p:txBody>
+          <a:bodyPr/>
+          <a:lstStyle/>
+          <a:p>
+            <a:r>
+              <a:rPr lang="en-US" dirty="0"/>
+              <a:t>We need to add our image to the background and make the edges of our spliced image less obvious.</a:t>
+            </a:r>
+          </a:p>
+          <a:p>
+            <a:r>
+              <a:rPr lang="en-US" dirty="0"/>
+              <a:t>Solution: Use Poisson blending to preserve the pixel gradients of the image</a:t>
+            </a:r>
+          </a:p>
+          <a:p>
+            <a:pPr marL="0" indent="0">
+              <a:buNone/>
+            </a:pPr>
+            <a:endParaRPr lang="en-US" dirty="0"/>
+          </a:p>
+          <a:p>
+            <a:endParaRPr lang="en-US" dirty="0"/>
+          </a:p>
+          <a:p>
+            <a:pPr marL="0" indent="0">
+              <a:buNone/>
+            </a:pPr>
+            <a:endParaRPr lang="en-US" dirty="0"/>
+          </a:p>
+          <a:p>
+            <a:pPr marL="0" indent="0">
+              <a:buNone/>
+            </a:pPr>
+            <a:r>
+              <a:rPr lang="en-US" dirty="0"/>
+              <a:t>For more information on Poisson Blending see </a:t>
+            </a:r>
+            <a:r>
+              <a:rPr lang="en-US" i="1" dirty="0"/>
+              <a:t>Poisson Image Editing</a:t>
+            </a:r>
+            <a:r>
+              <a:rPr lang="en-US" dirty="0"/>
+              <a:t> by Pérez, et al.</a:t>
+            </a:r>
+          </a:p>
+          <a:p>
+            <a:pPr marL="0" indent="0">
+              <a:buNone/>
+            </a:pPr>
+            <a:endParaRPr lang="en-US" dirty="0"/>
+          </a:p>
+        </p:txBody>
+      </p:sp>
+    </p:spTree>
+    <p:extLst>
+      <p:ext uri="{BB962C8B-B14F-4D97-AF65-F5344CB8AC3E}">
+        <p14:creationId xmlns:p14="http://schemas.microsoft.com/office/powerpoint/2010/main" val="286546312"/>
+      </p:ext>
+    </p:extLst>
+  </p:cSld>
+  <p:clrMapOvr>
+    <a:masterClrMapping/>
+  </p:clrMapOvr>
+</p:sld>
+</file>
+
+<file path=ppt/slides/slide14.xml><?xml version="1.0" encoding="utf-8"?>
+<p:sld xmlns:a="http://schemas.openxmlformats.org/drawingml/2006/main" xmlns:r="http://schemas.openxmlformats.org/officeDocument/2006/relationships" xmlns:p="http://schemas.openxmlformats.org/presentationml/2006/main">
+  <p:cSld>
+    <p:spTree>
+      <p:nvGrpSpPr>
+        <p:cNvPr id="1" name=""/>
+        <p:cNvGrpSpPr/>
+        <p:nvPr/>
+      </p:nvGrpSpPr>
+      <p:grpSpPr>
+        <a:xfrm>
+          <a:off x="0" y="0"/>
+          <a:ext cx="0" cy="0"/>
+          <a:chOff x="0" y="0"/>
+          <a:chExt cx="0" cy="0"/>
+        </a:xfrm>
+      </p:grpSpPr>
+      <p:sp>
+        <p:nvSpPr>
+          <p:cNvPr id="2" name="Title 1"/>
+          <p:cNvSpPr>
+            <a:spLocks noGrp="1"/>
+          </p:cNvSpPr>
+          <p:nvPr>
+            <p:ph type="title"/>
+          </p:nvPr>
+        </p:nvSpPr>
+        <p:spPr/>
+        <p:txBody>
+          <a:bodyPr/>
+          <a:lstStyle/>
+          <a:p>
+            <a:r>
+              <a:rPr lang="en-US" dirty="0"/>
+              <a:t>Poisson Blending</a:t>
+            </a:r>
+          </a:p>
+        </p:txBody>
+      </p:sp>
+      <p:sp>
+        <p:nvSpPr>
+          <p:cNvPr id="3" name="Content Placeholder 2"/>
+          <p:cNvSpPr>
+            <a:spLocks noGrp="1"/>
+          </p:cNvSpPr>
+          <p:nvPr>
+            <p:ph idx="1"/>
+          </p:nvPr>
+        </p:nvSpPr>
+        <p:spPr/>
+        <p:txBody>
+          <a:bodyPr/>
+          <a:lstStyle/>
+          <a:p>
+            <a:r>
+              <a:rPr lang="en-US" dirty="0"/>
+              <a:t>For each pixel from the source image, we must solve an equation where the difference between the pixel and its neighbors is the same as the difference between the target pixel and its neighbors. We use a Laplacian filter to compute this difference.</a:t>
+            </a:r>
+          </a:p>
+          <a:p>
+            <a:r>
+              <a:rPr lang="en-US" dirty="0"/>
+              <a:t>That’s a lot of equations with a lot of unknowns.</a:t>
+            </a:r>
+          </a:p>
+          <a:p>
+            <a:r>
+              <a:rPr lang="en-US" dirty="0"/>
+              <a:t>Luckily we can use a matrix to solve all of the equations at once. It’s a big matrix though.</a:t>
+            </a:r>
+          </a:p>
+          <a:p>
+            <a:r>
+              <a:rPr lang="en-US" dirty="0"/>
+              <a:t>It all boils down to A*x = b where A shows adjacency, b shows our known coefficients and x shows our resulting pixels. </a:t>
+            </a:r>
+          </a:p>
+        </p:txBody>
+      </p:sp>
+    </p:spTree>
+    <p:extLst>
+      <p:ext uri="{BB962C8B-B14F-4D97-AF65-F5344CB8AC3E}">
+        <p14:creationId xmlns:p14="http://schemas.microsoft.com/office/powerpoint/2010/main" val="241519488"/>
+      </p:ext>
+    </p:extLst>
+  </p:cSld>
+  <p:clrMapOvr>
+    <a:masterClrMapping/>
+  </p:clrMapOvr>
+</p:sld>
+</file>
+
+<file path=ppt/slides/slide15.xml><?xml version="1.0" encoding="utf-8"?>
+<p:sld xmlns:a="http://schemas.openxmlformats.org/drawingml/2006/main" xmlns:r="http://schemas.openxmlformats.org/officeDocument/2006/relationships" xmlns:p="http://schemas.openxmlformats.org/presentationml/2006/main">
+  <p:cSld>
+    <p:spTree>
+      <p:nvGrpSpPr>
+        <p:cNvPr id="1" name=""/>
+        <p:cNvGrpSpPr/>
+        <p:nvPr/>
+      </p:nvGrpSpPr>
+      <p:grpSpPr>
+        <a:xfrm>
+          <a:off x="0" y="0"/>
+          <a:ext cx="0" cy="0"/>
+          <a:chOff x="0" y="0"/>
+          <a:chExt cx="0" cy="0"/>
+        </a:xfrm>
+      </p:grpSpPr>
+      <p:sp>
+        <p:nvSpPr>
+          <p:cNvPr id="2" name="Title 1"/>
+          <p:cNvSpPr>
+            <a:spLocks noGrp="1"/>
+          </p:cNvSpPr>
+          <p:nvPr>
+            <p:ph type="title"/>
+          </p:nvPr>
+        </p:nvSpPr>
+        <p:spPr/>
+        <p:txBody>
+          <a:bodyPr/>
+          <a:lstStyle/>
+          <a:p>
+            <a:r>
+              <a:rPr lang="en-US"/>
+              <a:t>Results???</a:t>
+            </a:r>
+          </a:p>
+        </p:txBody>
+      </p:sp>
+      <p:sp>
+        <p:nvSpPr>
+          <p:cNvPr id="3" name="Content Placeholder 2"/>
+          <p:cNvSpPr>
+            <a:spLocks noGrp="1"/>
+          </p:cNvSpPr>
+          <p:nvPr>
+            <p:ph idx="1"/>
+          </p:nvPr>
+        </p:nvSpPr>
+        <p:spPr/>
+        <p:txBody>
+          <a:bodyPr/>
+          <a:lstStyle/>
+          <a:p>
+            <a:endParaRPr lang="en-US"/>
+          </a:p>
+        </p:txBody>
+      </p:sp>
+    </p:spTree>
+    <p:extLst>
+      <p:ext uri="{BB962C8B-B14F-4D97-AF65-F5344CB8AC3E}">
+        <p14:creationId xmlns:p14="http://schemas.microsoft.com/office/powerpoint/2010/main" val="125758507"/>
+      </p:ext>
+    </p:extLst>
+  </p:cSld>
+  <p:clrMapOvr>
+    <a:masterClrMapping/>
+  </p:clrMapOvr>
+</p:sld>
+</file>
+
+<file path=ppt/slides/slide2.xml><?xml version="1.0" encoding="utf-8"?>
+<p:sld xmlns:a="http://schemas.openxmlformats.org/drawingml/2006/main" xmlns:r="http://schemas.openxmlformats.org/officeDocument/2006/relationships" xmlns:p="http://schemas.openxmlformats.org/presentationml/2006/main">
+  <p:cSld>
+    <p:spTree>
+      <p:nvGrpSpPr>
+        <p:cNvPr id="1" name=""/>
+        <p:cNvGrpSpPr/>
+        <p:nvPr/>
+      </p:nvGrpSpPr>
+      <p:grpSpPr>
+        <a:xfrm>
+          <a:off x="0" y="0"/>
+          <a:ext cx="0" cy="0"/>
+          <a:chOff x="0" y="0"/>
+          <a:chExt cx="0" cy="0"/>
+        </a:xfrm>
+      </p:grpSpPr>
+      <p:sp>
+        <p:nvSpPr>
+          <p:cNvPr id="2" name="Title 1"/>
+          <p:cNvSpPr>
+            <a:spLocks noGrp="1"/>
+          </p:cNvSpPr>
+          <p:nvPr>
+            <p:ph type="title"/>
+          </p:nvPr>
+        </p:nvSpPr>
+        <p:spPr/>
+        <p:txBody>
+          <a:bodyPr/>
+          <a:lstStyle/>
+          <a:p>
+            <a:r>
+              <a:rPr lang="en-US" dirty="0"/>
+              <a:t>Idea</a:t>
+            </a:r>
+          </a:p>
+        </p:txBody>
+      </p:sp>
+      <p:sp>
+        <p:nvSpPr>
+          <p:cNvPr id="3" name="Content Placeholder 2"/>
+          <p:cNvSpPr>
+            <a:spLocks noGrp="1"/>
+          </p:cNvSpPr>
+          <p:nvPr>
+            <p:ph idx="1"/>
+          </p:nvPr>
+        </p:nvSpPr>
+        <p:spPr/>
+        <p:txBody>
+          <a:bodyPr/>
+          <a:lstStyle/>
+          <a:p>
+            <a:r>
+              <a:rPr lang="en-US" dirty="0"/>
+              <a:t>Take two Images</a:t>
+            </a:r>
+          </a:p>
+          <a:p>
+            <a:r>
+              <a:rPr lang="en-US" dirty="0"/>
+              <a:t>Have user select an object in one image</a:t>
+            </a:r>
+          </a:p>
+          <a:p>
+            <a:r>
+              <a:rPr lang="en-US" dirty="0"/>
+              <a:t>Auto cut out the selected image</a:t>
+            </a:r>
+          </a:p>
+          <a:p>
+            <a:r>
+              <a:rPr lang="en-US" dirty="0"/>
+              <a:t>Place the object in the second image and blend it</a:t>
+            </a:r>
+          </a:p>
+        </p:txBody>
+      </p:sp>
+    </p:spTree>
+    <p:extLst>
+      <p:ext uri="{BB962C8B-B14F-4D97-AF65-F5344CB8AC3E}">
+        <p14:creationId xmlns:p14="http://schemas.microsoft.com/office/powerpoint/2010/main" val="134010165"/>
+      </p:ext>
+    </p:extLst>
+  </p:cSld>
+  <p:clrMapOvr>
+    <a:masterClrMapping/>
+  </p:clrMapOvr>
+</p:sld>
+</file>
+
+<file path=ppt/slides/slide3.xml><?xml version="1.0" encoding="utf-8"?>
+<p:sld xmlns:a="http://schemas.openxmlformats.org/drawingml/2006/main" xmlns:r="http://schemas.openxmlformats.org/officeDocument/2006/relationships" xmlns:p="http://schemas.openxmlformats.org/presentationml/2006/main">
+  <p:cSld>
+    <p:spTree>
+      <p:nvGrpSpPr>
+        <p:cNvPr id="1" name=""/>
+        <p:cNvGrpSpPr/>
+        <p:nvPr/>
+      </p:nvGrpSpPr>
+      <p:grpSpPr>
+        <a:xfrm>
+          <a:off x="0" y="0"/>
+          <a:ext cx="0" cy="0"/>
+          <a:chOff x="0" y="0"/>
+          <a:chExt cx="0" cy="0"/>
+        </a:xfrm>
+      </p:grpSpPr>
+      <p:sp>
+        <p:nvSpPr>
+          <p:cNvPr id="2" name="Title 1"/>
+          <p:cNvSpPr>
+            <a:spLocks noGrp="1"/>
+          </p:cNvSpPr>
+          <p:nvPr>
+            <p:ph type="title"/>
+          </p:nvPr>
+        </p:nvSpPr>
+        <p:spPr/>
+        <p:txBody>
+          <a:bodyPr/>
+          <a:lstStyle/>
+          <a:p>
+            <a:r>
+              <a:rPr lang="en-US" dirty="0"/>
+              <a:t>Motivation</a:t>
+            </a:r>
+          </a:p>
+        </p:txBody>
+      </p:sp>
+      <p:sp>
+        <p:nvSpPr>
+          <p:cNvPr id="3" name="Content Placeholder 2"/>
+          <p:cNvSpPr>
+            <a:spLocks noGrp="1"/>
+          </p:cNvSpPr>
+          <p:nvPr>
+            <p:ph idx="1"/>
+          </p:nvPr>
+        </p:nvSpPr>
+        <p:spPr/>
+        <p:txBody>
+          <a:bodyPr/>
+          <a:lstStyle/>
+          <a:p>
+            <a:r>
+              <a:rPr lang="en-US" dirty="0"/>
+              <a:t>Challenging Project</a:t>
+            </a:r>
+          </a:p>
+          <a:p>
+            <a:r>
+              <a:rPr lang="en-US" dirty="0"/>
+              <a:t>Used ideas that we had learned all semester</a:t>
+            </a:r>
+          </a:p>
+          <a:p>
+            <a:r>
+              <a:rPr lang="en-US" dirty="0"/>
+              <a:t>Make for stream lined segmentation and blending </a:t>
+            </a:r>
+          </a:p>
+        </p:txBody>
+      </p:sp>
+    </p:spTree>
+    <p:extLst>
+      <p:ext uri="{BB962C8B-B14F-4D97-AF65-F5344CB8AC3E}">
+        <p14:creationId xmlns:p14="http://schemas.microsoft.com/office/powerpoint/2010/main" val="1487778285"/>
+      </p:ext>
+    </p:extLst>
+  </p:cSld>
+  <p:clrMapOvr>
+    <a:masterClrMapping/>
+  </p:clrMapOvr>
+</p:sld>
+</file>
+
+<file path=ppt/slides/slide4.xml><?xml version="1.0" encoding="utf-8"?>
+<p:sld xmlns:a="http://schemas.openxmlformats.org/drawingml/2006/main" xmlns:r="http://schemas.openxmlformats.org/officeDocument/2006/relationships" xmlns:p="http://schemas.openxmlformats.org/presentationml/2006/main">
+  <p:cSld>
+    <p:spTree>
+      <p:nvGrpSpPr>
+        <p:cNvPr id="1" name=""/>
+        <p:cNvGrpSpPr/>
+        <p:nvPr/>
+      </p:nvGrpSpPr>
+      <p:grpSpPr>
+        <a:xfrm>
+          <a:off x="0" y="0"/>
+          <a:ext cx="0" cy="0"/>
+          <a:chOff x="0" y="0"/>
+          <a:chExt cx="0" cy="0"/>
+        </a:xfrm>
+      </p:grpSpPr>
+      <p:sp>
+        <p:nvSpPr>
+          <p:cNvPr id="2" name="Title 1"/>
+          <p:cNvSpPr>
+            <a:spLocks noGrp="1"/>
+          </p:cNvSpPr>
+          <p:nvPr>
+            <p:ph type="title"/>
+          </p:nvPr>
+        </p:nvSpPr>
+        <p:spPr/>
+        <p:txBody>
+          <a:bodyPr/>
+          <a:lstStyle/>
+          <a:p>
+            <a:r>
+              <a:rPr lang="en-US" dirty="0"/>
+              <a:t>Method</a:t>
+            </a:r>
+          </a:p>
+        </p:txBody>
+      </p:sp>
+      <p:graphicFrame>
+        <p:nvGraphicFramePr>
+          <p:cNvPr id="4" name="Content Placeholder 3"/>
+          <p:cNvGraphicFramePr>
+            <a:graphicFrameLocks noGrp="1"/>
+          </p:cNvGraphicFramePr>
+          <p:nvPr>
+            <p:ph idx="1"/>
+            <p:extLst>
+              <p:ext uri="{D42A27DB-BD31-4B8C-83A1-F6EECF244321}">
+                <p14:modId xmlns:p14="http://schemas.microsoft.com/office/powerpoint/2010/main" val="922479856"/>
+              </p:ext>
+            </p:extLst>
+          </p:nvPr>
+        </p:nvGraphicFramePr>
+        <p:xfrm>
+          <a:off x="819150" y="2222500"/>
+          <a:ext cx="10553700" cy="3636963"/>
+        </p:xfrm>
+        <a:graphic>
+          <a:graphicData uri="http://schemas.openxmlformats.org/drawingml/2006/diagram">
+            <dgm:relIds xmlns:dgm="http://schemas.openxmlformats.org/drawingml/2006/diagram" xmlns:r="http://schemas.openxmlformats.org/officeDocument/2006/relationships" r:dm="rId2" r:lo="rId3" r:qs="rId4" r:cs="rId5"/>
+          </a:graphicData>
+        </a:graphic>
+      </p:graphicFrame>
+    </p:spTree>
+    <p:extLst>
+      <p:ext uri="{BB962C8B-B14F-4D97-AF65-F5344CB8AC3E}">
+        <p14:creationId xmlns:p14="http://schemas.microsoft.com/office/powerpoint/2010/main" val="62163776"/>
+      </p:ext>
+    </p:extLst>
+  </p:cSld>
+  <p:clrMapOvr>
+    <a:masterClrMapping/>
+  </p:clrMapOvr>
+</p:sld>
+</file>
+
+<file path=ppt/slides/slide5.xml><?xml version="1.0" encoding="utf-8"?>
+<p:sld xmlns:a="http://schemas.openxmlformats.org/drawingml/2006/main" xmlns:r="http://schemas.openxmlformats.org/officeDocument/2006/relationships" xmlns:p="http://schemas.openxmlformats.org/presentationml/2006/main">
+  <p:cSld>
+    <p:spTree>
+      <p:nvGrpSpPr>
+        <p:cNvPr id="1" name=""/>
+        <p:cNvGrpSpPr/>
+        <p:nvPr/>
+      </p:nvGrpSpPr>
+      <p:grpSpPr>
+        <a:xfrm>
+          <a:off x="0" y="0"/>
+          <a:ext cx="0" cy="0"/>
+          <a:chOff x="0" y="0"/>
+          <a:chExt cx="0" cy="0"/>
+        </a:xfrm>
+      </p:grpSpPr>
+      <p:sp>
+        <p:nvSpPr>
+          <p:cNvPr id="2" name="Title 1"/>
+          <p:cNvSpPr>
+            <a:spLocks noGrp="1"/>
+          </p:cNvSpPr>
+          <p:nvPr>
+            <p:ph type="title"/>
+          </p:nvPr>
+        </p:nvSpPr>
+        <p:spPr/>
+        <p:txBody>
+          <a:bodyPr/>
+          <a:lstStyle/>
+          <a:p>
+            <a:r>
+              <a:rPr lang="en-US" dirty="0"/>
+              <a:t>GUI For Selecting</a:t>
+            </a:r>
+          </a:p>
+        </p:txBody>
+      </p:sp>
+      <p:pic>
+        <p:nvPicPr>
+          <p:cNvPr id="4" name="Content Placeholder 3"/>
+          <p:cNvPicPr>
+            <a:picLocks noGrp="1" noChangeAspect="1"/>
+          </p:cNvPicPr>
+          <p:nvPr>
+            <p:ph sz="half" idx="1"/>
+          </p:nvPr>
+        </p:nvPicPr>
+        <p:blipFill rotWithShape="1">
+          <a:blip r:embed="rId2"/>
+          <a:srcRect l="17157" t="11532" r="25771" b="17132"/>
+          <a:stretch/>
+        </p:blipFill>
+        <p:spPr>
+          <a:xfrm>
+            <a:off x="6498529" y="2495550"/>
+            <a:ext cx="5340262" cy="3752849"/>
+          </a:xfrm>
+          <a:prstGeom prst="rect">
+            <a:avLst/>
+          </a:prstGeom>
+        </p:spPr>
+      </p:pic>
+      <p:sp>
+        <p:nvSpPr>
+          <p:cNvPr id="5" name="Content Placeholder 4"/>
+          <p:cNvSpPr>
+            <a:spLocks noGrp="1"/>
+          </p:cNvSpPr>
+          <p:nvPr>
+            <p:ph sz="half" idx="2"/>
+          </p:nvPr>
+        </p:nvSpPr>
+        <p:spPr>
+          <a:xfrm>
+            <a:off x="809342" y="2246806"/>
+            <a:ext cx="5194583" cy="3638764"/>
+          </a:xfrm>
+        </p:spPr>
+        <p:txBody>
+          <a:bodyPr/>
+          <a:lstStyle/>
+          <a:p>
+            <a:r>
+              <a:rPr lang="en-US" dirty="0"/>
+              <a:t>User selects part of an image that they want to move to another image</a:t>
+            </a:r>
+          </a:p>
+          <a:p>
+            <a:r>
+              <a:rPr lang="en-US" dirty="0"/>
+              <a:t>That part of the image is then cut out and sent to be refined and later placed</a:t>
+            </a:r>
+          </a:p>
+        </p:txBody>
+      </p:sp>
+    </p:spTree>
+    <p:extLst>
+      <p:ext uri="{BB962C8B-B14F-4D97-AF65-F5344CB8AC3E}">
+        <p14:creationId xmlns:p14="http://schemas.microsoft.com/office/powerpoint/2010/main" val="386259659"/>
+      </p:ext>
+    </p:extLst>
+  </p:cSld>
+  <p:clrMapOvr>
+    <a:masterClrMapping/>
+  </p:clrMapOvr>
+</p:sld>
+</file>
+
+<file path=ppt/slides/slide6.xml><?xml version="1.0" encoding="utf-8"?>
+<p:sld xmlns:a="http://schemas.openxmlformats.org/drawingml/2006/main" xmlns:r="http://schemas.openxmlformats.org/officeDocument/2006/relationships" xmlns:p="http://schemas.openxmlformats.org/presentationml/2006/main">
+  <p:cSld>
+    <p:spTree>
+      <p:nvGrpSpPr>
+        <p:cNvPr id="1" name=""/>
+        <p:cNvGrpSpPr/>
+        <p:nvPr/>
+      </p:nvGrpSpPr>
+      <p:grpSpPr>
+        <a:xfrm>
+          <a:off x="0" y="0"/>
+          <a:ext cx="0" cy="0"/>
+          <a:chOff x="0" y="0"/>
+          <a:chExt cx="0" cy="0"/>
+        </a:xfrm>
+      </p:grpSpPr>
+      <p:sp>
+        <p:nvSpPr>
+          <p:cNvPr id="2" name="Title 1"/>
+          <p:cNvSpPr>
+            <a:spLocks noGrp="1"/>
+          </p:cNvSpPr>
+          <p:nvPr>
+            <p:ph type="title"/>
+          </p:nvPr>
+        </p:nvSpPr>
+        <p:spPr/>
+        <p:txBody>
+          <a:bodyPr/>
+          <a:lstStyle/>
+          <a:p>
+            <a:r>
+              <a:rPr lang="en-US" dirty="0"/>
+              <a:t>Selection Methods</a:t>
+            </a:r>
+          </a:p>
+        </p:txBody>
+      </p:sp>
+      <p:pic>
+        <p:nvPicPr>
+          <p:cNvPr id="4" name="Content Placeholder 3"/>
+          <p:cNvPicPr>
+            <a:picLocks noGrp="1" noChangeAspect="1"/>
+          </p:cNvPicPr>
+          <p:nvPr>
+            <p:ph sz="half" idx="1"/>
+          </p:nvPr>
+        </p:nvPicPr>
+        <p:blipFill rotWithShape="1">
+          <a:blip r:embed="rId2"/>
+          <a:srcRect l="17157" t="11532" r="25771" b="17132"/>
+          <a:stretch/>
+        </p:blipFill>
+        <p:spPr>
+          <a:xfrm>
+            <a:off x="6498529" y="2495550"/>
+            <a:ext cx="5340262" cy="3752849"/>
+          </a:xfrm>
+          <a:prstGeom prst="rect">
+            <a:avLst/>
+          </a:prstGeom>
+        </p:spPr>
+      </p:pic>
+      <p:sp>
+        <p:nvSpPr>
+          <p:cNvPr id="5" name="Content Placeholder 4"/>
+          <p:cNvSpPr>
+            <a:spLocks noGrp="1"/>
+          </p:cNvSpPr>
+          <p:nvPr>
+            <p:ph sz="half" idx="2"/>
+          </p:nvPr>
+        </p:nvSpPr>
+        <p:spPr>
+          <a:xfrm>
+            <a:off x="809342" y="2246806"/>
+            <a:ext cx="5194583" cy="3638764"/>
+          </a:xfrm>
+        </p:spPr>
+        <p:txBody>
+          <a:bodyPr/>
+          <a:lstStyle/>
+          <a:p>
+            <a:r>
+              <a:rPr lang="en-US" dirty="0"/>
+              <a:t>Free draw circle</a:t>
+            </a:r>
+          </a:p>
+        </p:txBody>
+      </p:sp>
+      <p:sp>
+        <p:nvSpPr>
+          <p:cNvPr id="7" name="Freeform 6"/>
+          <p:cNvSpPr/>
+          <p:nvPr/>
+        </p:nvSpPr>
+        <p:spPr>
+          <a:xfrm>
+            <a:off x="9352547" y="4683929"/>
+            <a:ext cx="753979" cy="866639"/>
+          </a:xfrm>
+          <a:custGeom>
+            <a:avLst/>
+            <a:gdLst>
+              <a:gd name="connsiteX0" fmla="*/ 320842 w 753979"/>
+              <a:gd name="connsiteY0" fmla="*/ 32450 h 866639"/>
+              <a:gd name="connsiteX1" fmla="*/ 240632 w 753979"/>
+              <a:gd name="connsiteY1" fmla="*/ 366 h 866639"/>
+              <a:gd name="connsiteX2" fmla="*/ 64169 w 753979"/>
+              <a:gd name="connsiteY2" fmla="*/ 32450 h 866639"/>
+              <a:gd name="connsiteX3" fmla="*/ 16042 w 753979"/>
+              <a:gd name="connsiteY3" fmla="*/ 144745 h 866639"/>
+              <a:gd name="connsiteX4" fmla="*/ 0 w 753979"/>
+              <a:gd name="connsiteY4" fmla="*/ 289124 h 866639"/>
+              <a:gd name="connsiteX5" fmla="*/ 16042 w 753979"/>
+              <a:gd name="connsiteY5" fmla="*/ 593924 h 866639"/>
+              <a:gd name="connsiteX6" fmla="*/ 32085 w 753979"/>
+              <a:gd name="connsiteY6" fmla="*/ 690176 h 866639"/>
+              <a:gd name="connsiteX7" fmla="*/ 64169 w 753979"/>
+              <a:gd name="connsiteY7" fmla="*/ 738303 h 866639"/>
+              <a:gd name="connsiteX8" fmla="*/ 112295 w 753979"/>
+              <a:gd name="connsiteY8" fmla="*/ 754345 h 866639"/>
+              <a:gd name="connsiteX9" fmla="*/ 224590 w 753979"/>
+              <a:gd name="connsiteY9" fmla="*/ 834555 h 866639"/>
+              <a:gd name="connsiteX10" fmla="*/ 224590 w 753979"/>
+              <a:gd name="connsiteY10" fmla="*/ 834555 h 866639"/>
+              <a:gd name="connsiteX11" fmla="*/ 320842 w 753979"/>
+              <a:gd name="connsiteY11" fmla="*/ 866639 h 866639"/>
+              <a:gd name="connsiteX12" fmla="*/ 609600 w 753979"/>
+              <a:gd name="connsiteY12" fmla="*/ 786429 h 866639"/>
+              <a:gd name="connsiteX13" fmla="*/ 641685 w 753979"/>
+              <a:gd name="connsiteY13" fmla="*/ 754345 h 866639"/>
+              <a:gd name="connsiteX14" fmla="*/ 689811 w 753979"/>
+              <a:gd name="connsiteY14" fmla="*/ 577882 h 866639"/>
+              <a:gd name="connsiteX15" fmla="*/ 721895 w 753979"/>
+              <a:gd name="connsiteY15" fmla="*/ 529755 h 866639"/>
+              <a:gd name="connsiteX16" fmla="*/ 753979 w 753979"/>
+              <a:gd name="connsiteY16" fmla="*/ 417460 h 866639"/>
+              <a:gd name="connsiteX17" fmla="*/ 721895 w 753979"/>
+              <a:gd name="connsiteY17" fmla="*/ 176829 h 866639"/>
+              <a:gd name="connsiteX18" fmla="*/ 689811 w 753979"/>
+              <a:gd name="connsiteY18" fmla="*/ 128703 h 866639"/>
+              <a:gd name="connsiteX19" fmla="*/ 641685 w 753979"/>
+              <a:gd name="connsiteY19" fmla="*/ 112660 h 866639"/>
+              <a:gd name="connsiteX20" fmla="*/ 609600 w 753979"/>
+              <a:gd name="connsiteY20" fmla="*/ 64534 h 866639"/>
+              <a:gd name="connsiteX21" fmla="*/ 513348 w 753979"/>
+              <a:gd name="connsiteY21" fmla="*/ 32450 h 866639"/>
+              <a:gd name="connsiteX22" fmla="*/ 320842 w 753979"/>
+              <a:gd name="connsiteY22" fmla="*/ 32450 h 866639"/>
+            </a:gdLst>
+            <a:ahLst/>
+            <a:cxnLst>
+              <a:cxn ang="0">
+                <a:pos x="connsiteX0" y="connsiteY0"/>
+              </a:cxn>
+              <a:cxn ang="0">
+                <a:pos x="connsiteX1" y="connsiteY1"/>
+              </a:cxn>
+              <a:cxn ang="0">
+                <a:pos x="connsiteX2" y="connsiteY2"/>
+              </a:cxn>
+              <a:cxn ang="0">
+                <a:pos x="connsiteX3" y="connsiteY3"/>
+              </a:cxn>
+              <a:cxn ang="0">
+                <a:pos x="connsiteX4" y="connsiteY4"/>
+              </a:cxn>
+              <a:cxn ang="0">
+                <a:pos x="connsiteX5" y="connsiteY5"/>
+              </a:cxn>
+              <a:cxn ang="0">
+                <a:pos x="connsiteX6" y="connsiteY6"/>
+              </a:cxn>
+              <a:cxn ang="0">
+                <a:pos x="connsiteX7" y="connsiteY7"/>
+              </a:cxn>
+              <a:cxn ang="0">
+                <a:pos x="connsiteX8" y="connsiteY8"/>
+              </a:cxn>
+              <a:cxn ang="0">
+                <a:pos x="connsiteX9" y="connsiteY9"/>
+              </a:cxn>
+              <a:cxn ang="0">
+                <a:pos x="connsiteX10" y="connsiteY10"/>
+              </a:cxn>
+              <a:cxn ang="0">
+                <a:pos x="connsiteX11" y="connsiteY11"/>
+              </a:cxn>
+              <a:cxn ang="0">
+                <a:pos x="connsiteX12" y="connsiteY12"/>
+              </a:cxn>
+              <a:cxn ang="0">
+                <a:pos x="connsiteX13" y="connsiteY13"/>
+              </a:cxn>
+              <a:cxn ang="0">
+                <a:pos x="connsiteX14" y="connsiteY14"/>
+              </a:cxn>
+              <a:cxn ang="0">
+                <a:pos x="connsiteX15" y="connsiteY15"/>
+              </a:cxn>
+              <a:cxn ang="0">
+                <a:pos x="connsiteX16" y="connsiteY16"/>
+              </a:cxn>
+              <a:cxn ang="0">
+                <a:pos x="connsiteX17" y="connsiteY17"/>
+              </a:cxn>
+              <a:cxn ang="0">
+                <a:pos x="connsiteX18" y="connsiteY18"/>
+              </a:cxn>
+              <a:cxn ang="0">
+                <a:pos x="connsiteX19" y="connsiteY19"/>
+              </a:cxn>
+              <a:cxn ang="0">
+                <a:pos x="connsiteX20" y="connsiteY20"/>
+              </a:cxn>
+              <a:cxn ang="0">
+                <a:pos x="connsiteX21" y="connsiteY21"/>
+              </a:cxn>
+              <a:cxn ang="0">
+                <a:pos x="connsiteX22" y="connsiteY22"/>
+              </a:cxn>
+            </a:cxnLst>
+            <a:rect l="l" t="t" r="r" b="b"/>
+            <a:pathLst>
+              <a:path w="753979" h="866639">
+                <a:moveTo>
+                  <a:pt x="320842" y="32450"/>
+                </a:moveTo>
+                <a:cubicBezTo>
+                  <a:pt x="275389" y="27103"/>
+                  <a:pt x="269329" y="2757"/>
+                  <a:pt x="240632" y="366"/>
+                </a:cubicBezTo>
+                <a:cubicBezTo>
+                  <a:pt x="197521" y="-3227"/>
+                  <a:pt x="111953" y="20504"/>
+                  <a:pt x="64169" y="32450"/>
+                </a:cubicBezTo>
+                <a:cubicBezTo>
+                  <a:pt x="49560" y="61668"/>
+                  <a:pt x="21943" y="109341"/>
+                  <a:pt x="16042" y="144745"/>
+                </a:cubicBezTo>
+                <a:cubicBezTo>
+                  <a:pt x="8081" y="192509"/>
+                  <a:pt x="5347" y="240998"/>
+                  <a:pt x="0" y="289124"/>
+                </a:cubicBezTo>
+                <a:cubicBezTo>
+                  <a:pt x="5347" y="390724"/>
+                  <a:pt x="7928" y="492507"/>
+                  <a:pt x="16042" y="593924"/>
+                </a:cubicBezTo>
+                <a:cubicBezTo>
+                  <a:pt x="18636" y="626347"/>
+                  <a:pt x="21799" y="659319"/>
+                  <a:pt x="32085" y="690176"/>
+                </a:cubicBezTo>
+                <a:cubicBezTo>
+                  <a:pt x="38182" y="708467"/>
+                  <a:pt x="49114" y="726259"/>
+                  <a:pt x="64169" y="738303"/>
+                </a:cubicBezTo>
+                <a:cubicBezTo>
+                  <a:pt x="77373" y="748867"/>
+                  <a:pt x="96253" y="748998"/>
+                  <a:pt x="112295" y="754345"/>
+                </a:cubicBezTo>
+                <a:cubicBezTo>
+                  <a:pt x="197003" y="726109"/>
+                  <a:pt x="151041" y="724233"/>
+                  <a:pt x="224590" y="834555"/>
+                </a:cubicBezTo>
+                <a:lnTo>
+                  <a:pt x="224590" y="834555"/>
+                </a:lnTo>
+                <a:lnTo>
+                  <a:pt x="320842" y="866639"/>
+                </a:lnTo>
+                <a:cubicBezTo>
+                  <a:pt x="676073" y="822235"/>
+                  <a:pt x="511928" y="908518"/>
+                  <a:pt x="609600" y="786429"/>
+                </a:cubicBezTo>
+                <a:cubicBezTo>
+                  <a:pt x="619048" y="774619"/>
+                  <a:pt x="630990" y="765040"/>
+                  <a:pt x="641685" y="754345"/>
+                </a:cubicBezTo>
+                <a:cubicBezTo>
+                  <a:pt x="650295" y="711296"/>
+                  <a:pt x="666550" y="612775"/>
+                  <a:pt x="689811" y="577882"/>
+                </a:cubicBezTo>
+                <a:cubicBezTo>
+                  <a:pt x="700506" y="561840"/>
+                  <a:pt x="713273" y="547000"/>
+                  <a:pt x="721895" y="529755"/>
+                </a:cubicBezTo>
+                <a:cubicBezTo>
+                  <a:pt x="733403" y="506740"/>
+                  <a:pt x="748839" y="438021"/>
+                  <a:pt x="753979" y="417460"/>
+                </a:cubicBezTo>
+                <a:cubicBezTo>
+                  <a:pt x="751585" y="391127"/>
+                  <a:pt x="746422" y="234059"/>
+                  <a:pt x="721895" y="176829"/>
+                </a:cubicBezTo>
+                <a:cubicBezTo>
+                  <a:pt x="714300" y="159108"/>
+                  <a:pt x="704866" y="140747"/>
+                  <a:pt x="689811" y="128703"/>
+                </a:cubicBezTo>
+                <a:cubicBezTo>
+                  <a:pt x="676607" y="118139"/>
+                  <a:pt x="657727" y="118008"/>
+                  <a:pt x="641685" y="112660"/>
+                </a:cubicBezTo>
+                <a:cubicBezTo>
+                  <a:pt x="630990" y="96618"/>
+                  <a:pt x="625950" y="74752"/>
+                  <a:pt x="609600" y="64534"/>
+                </a:cubicBezTo>
+                <a:cubicBezTo>
+                  <a:pt x="580921" y="46610"/>
+                  <a:pt x="545432" y="43145"/>
+                  <a:pt x="513348" y="32450"/>
+                </a:cubicBezTo>
+                <a:cubicBezTo>
+                  <a:pt x="414493" y="-502"/>
+                  <a:pt x="366295" y="37797"/>
+                  <a:pt x="320842" y="32450"/>
+                </a:cubicBezTo>
+                <a:close/>
+              </a:path>
+            </a:pathLst>
+          </a:custGeom>
+          <a:noFill/>
+          <a:ln>
+            <a:solidFill>
+              <a:schemeClr val="bg1"/>
+            </a:solidFill>
+          </a:ln>
+        </p:spPr>
+        <p:style>
+          <a:lnRef idx="2">
+            <a:schemeClr val="accent1">
+              <a:shade val="50000"/>
+            </a:schemeClr>
+          </a:lnRef>
+          <a:fillRef idx="1">
+            <a:schemeClr val="accent1"/>
+          </a:fillRef>
+          <a:effectRef idx="0">
+            <a:schemeClr val="accent1"/>
+          </a:effectRef>
+          <a:fontRef idx="minor">
+            <a:schemeClr val="lt1"/>
+          </a:fontRef>
+        </p:style>
+        <p:txBody>
+          <a:bodyPr rtlCol="0" anchor="ctr"/>
+          <a:lstStyle/>
+          <a:p>
+            <a:pPr algn="ctr"/>
+            <a:endParaRPr lang="en-US"/>
+          </a:p>
+        </p:txBody>
+      </p:sp>
+    </p:spTree>
+    <p:extLst>
+      <p:ext uri="{BB962C8B-B14F-4D97-AF65-F5344CB8AC3E}">
+        <p14:creationId xmlns:p14="http://schemas.microsoft.com/office/powerpoint/2010/main" val="934251556"/>
+      </p:ext>
+    </p:extLst>
+  </p:cSld>
+  <p:clrMapOvr>
+    <a:masterClrMapping/>
+  </p:clrMapOvr>
+</p:sld>
+</file>
+
+<file path=ppt/slides/slide7.xml><?xml version="1.0" encoding="utf-8"?>
+<p:sld xmlns:a="http://schemas.openxmlformats.org/drawingml/2006/main" xmlns:r="http://schemas.openxmlformats.org/officeDocument/2006/relationships" xmlns:p="http://schemas.openxmlformats.org/presentationml/2006/main">
+  <p:cSld>
+    <p:spTree>
+      <p:nvGrpSpPr>
+        <p:cNvPr id="1" name=""/>
+        <p:cNvGrpSpPr/>
+        <p:nvPr/>
+      </p:nvGrpSpPr>
+      <p:grpSpPr>
+        <a:xfrm>
+          <a:off x="0" y="0"/>
+          <a:ext cx="0" cy="0"/>
+          <a:chOff x="0" y="0"/>
+          <a:chExt cx="0" cy="0"/>
+        </a:xfrm>
+      </p:grpSpPr>
+      <p:sp>
+        <p:nvSpPr>
+          <p:cNvPr id="2" name="Title 1"/>
+          <p:cNvSpPr>
+            <a:spLocks noGrp="1"/>
+          </p:cNvSpPr>
+          <p:nvPr>
+            <p:ph type="title"/>
+          </p:nvPr>
+        </p:nvSpPr>
+        <p:spPr/>
+        <p:txBody>
+          <a:bodyPr/>
+          <a:lstStyle/>
+          <a:p>
+            <a:r>
+              <a:rPr lang="en-US" dirty="0"/>
+              <a:t>Selection Methods</a:t>
+            </a:r>
+          </a:p>
+        </p:txBody>
+      </p:sp>
+      <p:pic>
+        <p:nvPicPr>
+          <p:cNvPr id="4" name="Content Placeholder 3"/>
+          <p:cNvPicPr>
+            <a:picLocks noGrp="1" noChangeAspect="1"/>
+          </p:cNvPicPr>
+          <p:nvPr>
+            <p:ph sz="half" idx="1"/>
+          </p:nvPr>
+        </p:nvPicPr>
+        <p:blipFill rotWithShape="1">
+          <a:blip r:embed="rId2"/>
+          <a:srcRect l="17157" t="11532" r="25771" b="17132"/>
+          <a:stretch/>
+        </p:blipFill>
+        <p:spPr>
+          <a:xfrm>
+            <a:off x="6498529" y="2495550"/>
+            <a:ext cx="5340262" cy="3752849"/>
+          </a:xfrm>
+          <a:prstGeom prst="rect">
+            <a:avLst/>
+          </a:prstGeom>
+        </p:spPr>
+      </p:pic>
+      <p:sp>
+        <p:nvSpPr>
+          <p:cNvPr id="5" name="Content Placeholder 4"/>
+          <p:cNvSpPr>
+            <a:spLocks noGrp="1"/>
+          </p:cNvSpPr>
+          <p:nvPr>
+            <p:ph sz="half" idx="2"/>
+          </p:nvPr>
+        </p:nvSpPr>
+        <p:spPr>
+          <a:xfrm>
+            <a:off x="809342" y="2246806"/>
+            <a:ext cx="5194583" cy="3638764"/>
+          </a:xfrm>
+        </p:spPr>
+        <p:txBody>
+          <a:bodyPr/>
+          <a:lstStyle/>
+          <a:p>
+            <a:r>
+              <a:rPr lang="en-US" dirty="0"/>
+              <a:t>Free draw circle</a:t>
+            </a:r>
+          </a:p>
+          <a:p>
+            <a:r>
+              <a:rPr lang="en-US" dirty="0"/>
+              <a:t>Point Circle</a:t>
+            </a:r>
+          </a:p>
+        </p:txBody>
+      </p:sp>
+      <p:sp>
+        <p:nvSpPr>
+          <p:cNvPr id="9" name="Freeform 8"/>
+          <p:cNvSpPr/>
+          <p:nvPr/>
+        </p:nvSpPr>
+        <p:spPr>
+          <a:xfrm>
+            <a:off x="9300411" y="4776537"/>
+            <a:ext cx="842210" cy="757989"/>
+          </a:xfrm>
+          <a:custGeom>
+            <a:avLst/>
+            <a:gdLst>
+              <a:gd name="connsiteX0" fmla="*/ 60157 w 842210"/>
+              <a:gd name="connsiteY0" fmla="*/ 252663 h 757989"/>
+              <a:gd name="connsiteX1" fmla="*/ 240631 w 842210"/>
+              <a:gd name="connsiteY1" fmla="*/ 0 h 757989"/>
+              <a:gd name="connsiteX2" fmla="*/ 697831 w 842210"/>
+              <a:gd name="connsiteY2" fmla="*/ 0 h 757989"/>
+              <a:gd name="connsiteX3" fmla="*/ 842210 w 842210"/>
+              <a:gd name="connsiteY3" fmla="*/ 252663 h 757989"/>
+              <a:gd name="connsiteX4" fmla="*/ 782052 w 842210"/>
+              <a:gd name="connsiteY4" fmla="*/ 697831 h 757989"/>
+              <a:gd name="connsiteX5" fmla="*/ 336884 w 842210"/>
+              <a:gd name="connsiteY5" fmla="*/ 757989 h 757989"/>
+              <a:gd name="connsiteX6" fmla="*/ 0 w 842210"/>
+              <a:gd name="connsiteY6" fmla="*/ 505326 h 757989"/>
+              <a:gd name="connsiteX7" fmla="*/ 60157 w 842210"/>
+              <a:gd name="connsiteY7" fmla="*/ 252663 h 757989"/>
+            </a:gdLst>
+            <a:ahLst/>
+            <a:cxnLst>
+              <a:cxn ang="0">
+                <a:pos x="connsiteX0" y="connsiteY0"/>
+              </a:cxn>
+              <a:cxn ang="0">
+                <a:pos x="connsiteX1" y="connsiteY1"/>
+              </a:cxn>
+              <a:cxn ang="0">
+                <a:pos x="connsiteX2" y="connsiteY2"/>
+              </a:cxn>
+              <a:cxn ang="0">
+                <a:pos x="connsiteX3" y="connsiteY3"/>
+              </a:cxn>
+              <a:cxn ang="0">
+                <a:pos x="connsiteX4" y="connsiteY4"/>
+              </a:cxn>
+              <a:cxn ang="0">
+                <a:pos x="connsiteX5" y="connsiteY5"/>
+              </a:cxn>
+              <a:cxn ang="0">
+                <a:pos x="connsiteX6" y="connsiteY6"/>
+              </a:cxn>
+              <a:cxn ang="0">
+                <a:pos x="connsiteX7" y="connsiteY7"/>
+              </a:cxn>
+            </a:cxnLst>
+            <a:rect l="l" t="t" r="r" b="b"/>
+            <a:pathLst>
+              <a:path w="842210" h="757989">
+                <a:moveTo>
+                  <a:pt x="60157" y="252663"/>
+                </a:moveTo>
+                <a:lnTo>
+                  <a:pt x="240631" y="0"/>
+                </a:lnTo>
+                <a:lnTo>
+                  <a:pt x="697831" y="0"/>
+                </a:lnTo>
+                <a:lnTo>
+                  <a:pt x="842210" y="252663"/>
+                </a:lnTo>
+                <a:lnTo>
+                  <a:pt x="782052" y="697831"/>
+                </a:lnTo>
+                <a:lnTo>
+                  <a:pt x="336884" y="757989"/>
+                </a:lnTo>
+                <a:lnTo>
+                  <a:pt x="0" y="505326"/>
+                </a:lnTo>
+                <a:lnTo>
+                  <a:pt x="60157" y="252663"/>
+                </a:lnTo>
+                <a:close/>
+              </a:path>
+            </a:pathLst>
+          </a:custGeom>
+          <a:noFill/>
+          <a:ln>
+            <a:solidFill>
+              <a:schemeClr val="bg1"/>
+            </a:solidFill>
+          </a:ln>
+        </p:spPr>
+        <p:style>
+          <a:lnRef idx="2">
+            <a:schemeClr val="accent1">
+              <a:shade val="50000"/>
+            </a:schemeClr>
+          </a:lnRef>
+          <a:fillRef idx="1">
+            <a:schemeClr val="accent1"/>
+          </a:fillRef>
+          <a:effectRef idx="0">
+            <a:schemeClr val="accent1"/>
+          </a:effectRef>
+          <a:fontRef idx="minor">
+            <a:schemeClr val="lt1"/>
+          </a:fontRef>
+        </p:style>
+        <p:txBody>
+          <a:bodyPr rtlCol="0" anchor="ctr"/>
+          <a:lstStyle/>
+          <a:p>
+            <a:pPr algn="ctr"/>
+            <a:endParaRPr lang="en-US" dirty="0"/>
+          </a:p>
+        </p:txBody>
+      </p:sp>
+    </p:spTree>
+    <p:extLst>
+      <p:ext uri="{BB962C8B-B14F-4D97-AF65-F5344CB8AC3E}">
+        <p14:creationId xmlns:p14="http://schemas.microsoft.com/office/powerpoint/2010/main" val="1901486591"/>
+      </p:ext>
+    </p:extLst>
+  </p:cSld>
+  <p:clrMapOvr>
+    <a:masterClrMapping/>
+  </p:clrMapOvr>
+</p:sld>
+</file>
+
+<file path=ppt/slides/slide8.xml><?xml version="1.0" encoding="utf-8"?>
+<p:sld xmlns:a="http://schemas.openxmlformats.org/drawingml/2006/main" xmlns:r="http://schemas.openxmlformats.org/officeDocument/2006/relationships" xmlns:p="http://schemas.openxmlformats.org/presentationml/2006/main">
+  <p:cSld>
+    <p:spTree>
+      <p:nvGrpSpPr>
+        <p:cNvPr id="1" name=""/>
+        <p:cNvGrpSpPr/>
+        <p:nvPr/>
+      </p:nvGrpSpPr>
+      <p:grpSpPr>
+        <a:xfrm>
+          <a:off x="0" y="0"/>
+          <a:ext cx="0" cy="0"/>
+          <a:chOff x="0" y="0"/>
+          <a:chExt cx="0" cy="0"/>
+        </a:xfrm>
+      </p:grpSpPr>
+      <p:sp>
+        <p:nvSpPr>
+          <p:cNvPr id="2" name="Title 1"/>
+          <p:cNvSpPr>
+            <a:spLocks noGrp="1"/>
+          </p:cNvSpPr>
+          <p:nvPr>
+            <p:ph type="title"/>
+          </p:nvPr>
+        </p:nvSpPr>
+        <p:spPr/>
+        <p:txBody>
+          <a:bodyPr/>
+          <a:lstStyle/>
+          <a:p>
+            <a:r>
+              <a:rPr lang="en-US" dirty="0"/>
+              <a:t>Selection Methods</a:t>
+            </a:r>
+          </a:p>
+        </p:txBody>
+      </p:sp>
+      <p:pic>
+        <p:nvPicPr>
+          <p:cNvPr id="4" name="Content Placeholder 3"/>
+          <p:cNvPicPr>
+            <a:picLocks noGrp="1" noChangeAspect="1"/>
+          </p:cNvPicPr>
+          <p:nvPr>
+            <p:ph sz="half" idx="1"/>
+          </p:nvPr>
+        </p:nvPicPr>
+        <p:blipFill rotWithShape="1">
+          <a:blip r:embed="rId2"/>
+          <a:srcRect l="17157" t="11532" r="25771" b="17132"/>
+          <a:stretch/>
+        </p:blipFill>
+        <p:spPr>
+          <a:xfrm>
+            <a:off x="6498529" y="2495550"/>
+            <a:ext cx="5340262" cy="3752849"/>
+          </a:xfrm>
+          <a:prstGeom prst="rect">
+            <a:avLst/>
+          </a:prstGeom>
+        </p:spPr>
+      </p:pic>
+      <p:sp>
+        <p:nvSpPr>
+          <p:cNvPr id="5" name="Content Placeholder 4"/>
+          <p:cNvSpPr>
+            <a:spLocks noGrp="1"/>
+          </p:cNvSpPr>
+          <p:nvPr>
+            <p:ph sz="half" idx="2"/>
+          </p:nvPr>
+        </p:nvSpPr>
+        <p:spPr>
+          <a:xfrm>
+            <a:off x="809342" y="2246806"/>
+            <a:ext cx="5194583" cy="3638764"/>
+          </a:xfrm>
+        </p:spPr>
+        <p:txBody>
+          <a:bodyPr/>
+          <a:lstStyle/>
+          <a:p>
+            <a:r>
+              <a:rPr lang="en-US" dirty="0"/>
+              <a:t>Free draw circle</a:t>
+            </a:r>
+          </a:p>
+          <a:p>
+            <a:r>
+              <a:rPr lang="en-US" dirty="0"/>
+              <a:t>Point Circle</a:t>
+            </a:r>
+          </a:p>
+          <a:p>
+            <a:r>
+              <a:rPr lang="en-US" dirty="0"/>
+              <a:t>Find Object (Box Around)</a:t>
+            </a:r>
+          </a:p>
+        </p:txBody>
+      </p:sp>
+      <p:sp>
+        <p:nvSpPr>
+          <p:cNvPr id="3" name="Rectangle 2"/>
+          <p:cNvSpPr/>
+          <p:nvPr/>
+        </p:nvSpPr>
+        <p:spPr>
+          <a:xfrm>
+            <a:off x="9348537" y="4848726"/>
+            <a:ext cx="733926" cy="625642"/>
+          </a:xfrm>
+          <a:prstGeom prst="rect">
+            <a:avLst/>
+          </a:prstGeom>
+          <a:noFill/>
+          <a:ln>
+            <a:solidFill>
+              <a:schemeClr val="bg1"/>
+            </a:solidFill>
+          </a:ln>
+        </p:spPr>
+        <p:style>
+          <a:lnRef idx="2">
+            <a:schemeClr val="accent1">
+              <a:shade val="50000"/>
+            </a:schemeClr>
+          </a:lnRef>
+          <a:fillRef idx="1">
+            <a:schemeClr val="accent1"/>
+          </a:fillRef>
+          <a:effectRef idx="0">
+            <a:schemeClr val="accent1"/>
+          </a:effectRef>
+          <a:fontRef idx="minor">
+            <a:schemeClr val="lt1"/>
+          </a:fontRef>
+        </p:style>
+        <p:txBody>
+          <a:bodyPr rtlCol="0" anchor="ctr"/>
+          <a:lstStyle/>
+          <a:p>
+            <a:pPr algn="ctr"/>
+            <a:endParaRPr lang="en-US"/>
+          </a:p>
+        </p:txBody>
+      </p:sp>
+    </p:spTree>
+    <p:extLst>
+      <p:ext uri="{BB962C8B-B14F-4D97-AF65-F5344CB8AC3E}">
+        <p14:creationId xmlns:p14="http://schemas.microsoft.com/office/powerpoint/2010/main" val="2965548289"/>
+      </p:ext>
+    </p:extLst>
+  </p:cSld>
+  <p:clrMapOvr>
+    <a:masterClrMapping/>
+  </p:clrMapOvr>
+</p:sld>
+</file>
+
+<file path=ppt/slides/slide9.xml><?xml version="1.0" encoding="utf-8"?>
+<p:sld xmlns:a="http://schemas.openxmlformats.org/drawingml/2006/main" xmlns:r="http://schemas.openxmlformats.org/officeDocument/2006/relationships" xmlns:p="http://schemas.openxmlformats.org/presentationml/2006/main">
+  <p:cSld>
+    <p:spTree>
+      <p:nvGrpSpPr>
+        <p:cNvPr id="1" name=""/>
+        <p:cNvGrpSpPr/>
+        <p:nvPr/>
+      </p:nvGrpSpPr>
+      <p:grpSpPr>
+        <a:xfrm>
+          <a:off x="0" y="0"/>
+          <a:ext cx="0" cy="0"/>
+          <a:chOff x="0" y="0"/>
+          <a:chExt cx="0" cy="0"/>
+        </a:xfrm>
+      </p:grpSpPr>
+      <p:sp>
+        <p:nvSpPr>
+          <p:cNvPr id="2" name="Title 1"/>
+          <p:cNvSpPr>
+            <a:spLocks noGrp="1"/>
+          </p:cNvSpPr>
+          <p:nvPr>
+            <p:ph type="title"/>
+          </p:nvPr>
+        </p:nvSpPr>
+        <p:spPr/>
+        <p:txBody>
+          <a:bodyPr/>
+          <a:lstStyle/>
+          <a:p>
+            <a:r>
+              <a:rPr lang="en-US" dirty="0"/>
+              <a:t>Image Segmentation</a:t>
+            </a:r>
+          </a:p>
+        </p:txBody>
+      </p:sp>
+      <p:sp>
+        <p:nvSpPr>
+          <p:cNvPr id="3" name="Content Placeholder 2"/>
+          <p:cNvSpPr>
+            <a:spLocks noGrp="1"/>
+          </p:cNvSpPr>
+          <p:nvPr>
+            <p:ph idx="1"/>
+          </p:nvPr>
+        </p:nvSpPr>
+        <p:spPr/>
+        <p:txBody>
+          <a:bodyPr/>
+          <a:lstStyle/>
+          <a:p>
+            <a:r>
+              <a:rPr lang="en-US" dirty="0"/>
+              <a:t>Methods thought about using:</a:t>
+            </a:r>
+          </a:p>
+          <a:p>
+            <a:pPr lvl="1"/>
+            <a:r>
+              <a:rPr lang="en-US" dirty="0"/>
+              <a:t>K-Means</a:t>
+            </a:r>
+          </a:p>
+          <a:p>
+            <a:pPr lvl="1"/>
+            <a:r>
+              <a:rPr lang="en-US" dirty="0"/>
+              <a:t>Simple Distance between two pixels Algorithm</a:t>
+            </a:r>
+          </a:p>
+          <a:p>
+            <a:pPr lvl="1"/>
+            <a:r>
+              <a:rPr lang="en-US" dirty="0"/>
+              <a:t>K-Means between foreground and background groupings</a:t>
+            </a:r>
+          </a:p>
+          <a:p>
+            <a:pPr lvl="1"/>
+            <a:endParaRPr lang="en-US" dirty="0"/>
+          </a:p>
+          <a:p>
+            <a:pPr lvl="1"/>
+            <a:endParaRPr lang="en-US" dirty="0"/>
+          </a:p>
+        </p:txBody>
+      </p:sp>
+    </p:spTree>
+    <p:extLst>
+      <p:ext uri="{BB962C8B-B14F-4D97-AF65-F5344CB8AC3E}">
+        <p14:creationId xmlns:p14="http://schemas.microsoft.com/office/powerpoint/2010/main" val="933188122"/>
       </p:ext>
     </p:extLst>
   </p:cSld>

--- a/534_pres.pptx
+++ b/534_pres.pptx
@@ -19,7 +19,8 @@
     <p:sldId id="264" r:id="rId13"/>
     <p:sldId id="265" r:id="rId14"/>
     <p:sldId id="267" r:id="rId15"/>
-    <p:sldId id="266" r:id="rId16"/>
+    <p:sldId id="272" r:id="rId16"/>
+    <p:sldId id="266" r:id="rId17"/>
   </p:sldIdLst>
   <p:sldSz cx="12192000" cy="6858000"/>
   <p:notesSz cx="6858000" cy="9144000"/>
@@ -1076,14 +1077,35 @@
         </dgm:presLayoutVars>
       </dgm:prSet>
       <dgm:spPr/>
+      <dgm:t>
+        <a:bodyPr/>
+        <a:lstStyle/>
+        <a:p>
+          <a:endParaRPr lang="en-US"/>
+        </a:p>
+      </dgm:t>
     </dgm:pt>
     <dgm:pt modelId="{2775E1BF-2D5B-7C43-AE4C-29EDDD9385A6}" type="pres">
       <dgm:prSet presAssocID="{9EBDBCA8-37AC-C747-8307-01CC1205F28E}" presName="sibTrans" presStyleLbl="sibTrans2D1" presStyleIdx="0" presStyleCnt="4"/>
       <dgm:spPr/>
+      <dgm:t>
+        <a:bodyPr/>
+        <a:lstStyle/>
+        <a:p>
+          <a:endParaRPr lang="en-US"/>
+        </a:p>
+      </dgm:t>
     </dgm:pt>
     <dgm:pt modelId="{25CA4689-2A55-BE45-B361-D114BEF493C9}" type="pres">
       <dgm:prSet presAssocID="{9EBDBCA8-37AC-C747-8307-01CC1205F28E}" presName="connectorText" presStyleLbl="sibTrans2D1" presStyleIdx="0" presStyleCnt="4"/>
       <dgm:spPr/>
+      <dgm:t>
+        <a:bodyPr/>
+        <a:lstStyle/>
+        <a:p>
+          <a:endParaRPr lang="en-US"/>
+        </a:p>
+      </dgm:t>
     </dgm:pt>
     <dgm:pt modelId="{E589A13C-74D7-3346-8656-8273E54FB12C}" type="pres">
       <dgm:prSet presAssocID="{E7D77789-D19A-9540-8A5A-4F8555AD74CC}" presName="node" presStyleLbl="node1" presStyleIdx="1" presStyleCnt="5">
@@ -1092,14 +1114,35 @@
         </dgm:presLayoutVars>
       </dgm:prSet>
       <dgm:spPr/>
+      <dgm:t>
+        <a:bodyPr/>
+        <a:lstStyle/>
+        <a:p>
+          <a:endParaRPr lang="en-US"/>
+        </a:p>
+      </dgm:t>
     </dgm:pt>
     <dgm:pt modelId="{590E1E2D-95E0-F54B-823A-1701BB5B62A7}" type="pres">
       <dgm:prSet presAssocID="{2B3EEBB5-4078-B447-A7AC-B66F1A1E975C}" presName="sibTrans" presStyleLbl="sibTrans2D1" presStyleIdx="1" presStyleCnt="4"/>
       <dgm:spPr/>
+      <dgm:t>
+        <a:bodyPr/>
+        <a:lstStyle/>
+        <a:p>
+          <a:endParaRPr lang="en-US"/>
+        </a:p>
+      </dgm:t>
     </dgm:pt>
     <dgm:pt modelId="{9C695EA9-6170-E149-B16D-F711C81F8F83}" type="pres">
       <dgm:prSet presAssocID="{2B3EEBB5-4078-B447-A7AC-B66F1A1E975C}" presName="connectorText" presStyleLbl="sibTrans2D1" presStyleIdx="1" presStyleCnt="4"/>
       <dgm:spPr/>
+      <dgm:t>
+        <a:bodyPr/>
+        <a:lstStyle/>
+        <a:p>
+          <a:endParaRPr lang="en-US"/>
+        </a:p>
+      </dgm:t>
     </dgm:pt>
     <dgm:pt modelId="{3FAB3615-0EB8-724E-9DDD-8C36B6E4A7A1}" type="pres">
       <dgm:prSet presAssocID="{90F0F106-FC5B-444F-90CF-187CFE89A63B}" presName="node" presStyleLbl="node1" presStyleIdx="2" presStyleCnt="5">
@@ -1108,14 +1151,35 @@
         </dgm:presLayoutVars>
       </dgm:prSet>
       <dgm:spPr/>
+      <dgm:t>
+        <a:bodyPr/>
+        <a:lstStyle/>
+        <a:p>
+          <a:endParaRPr lang="en-US"/>
+        </a:p>
+      </dgm:t>
     </dgm:pt>
     <dgm:pt modelId="{C330A8D0-62C0-7647-80D0-1B1D8E2AC668}" type="pres">
       <dgm:prSet presAssocID="{3598FE2E-B681-134E-B51C-82D47F92CB27}" presName="sibTrans" presStyleLbl="sibTrans2D1" presStyleIdx="2" presStyleCnt="4"/>
       <dgm:spPr/>
+      <dgm:t>
+        <a:bodyPr/>
+        <a:lstStyle/>
+        <a:p>
+          <a:endParaRPr lang="en-US"/>
+        </a:p>
+      </dgm:t>
     </dgm:pt>
     <dgm:pt modelId="{184C40AA-5F53-F042-9189-EAB587B17F7C}" type="pres">
       <dgm:prSet presAssocID="{3598FE2E-B681-134E-B51C-82D47F92CB27}" presName="connectorText" presStyleLbl="sibTrans2D1" presStyleIdx="2" presStyleCnt="4"/>
       <dgm:spPr/>
+      <dgm:t>
+        <a:bodyPr/>
+        <a:lstStyle/>
+        <a:p>
+          <a:endParaRPr lang="en-US"/>
+        </a:p>
+      </dgm:t>
     </dgm:pt>
     <dgm:pt modelId="{369CE24A-0E22-EF46-9D02-17707CACCBDA}" type="pres">
       <dgm:prSet presAssocID="{045013EC-7901-534C-8B8E-E348AAA27BF0}" presName="node" presStyleLbl="node1" presStyleIdx="3" presStyleCnt="5">
@@ -1124,14 +1188,35 @@
         </dgm:presLayoutVars>
       </dgm:prSet>
       <dgm:spPr/>
+      <dgm:t>
+        <a:bodyPr/>
+        <a:lstStyle/>
+        <a:p>
+          <a:endParaRPr lang="en-US"/>
+        </a:p>
+      </dgm:t>
     </dgm:pt>
     <dgm:pt modelId="{D17195DD-2FAE-0A46-9628-E06EAF5E6149}" type="pres">
       <dgm:prSet presAssocID="{EE158F42-23B5-F744-819A-ED4215733F25}" presName="sibTrans" presStyleLbl="sibTrans2D1" presStyleIdx="3" presStyleCnt="4"/>
       <dgm:spPr/>
+      <dgm:t>
+        <a:bodyPr/>
+        <a:lstStyle/>
+        <a:p>
+          <a:endParaRPr lang="en-US"/>
+        </a:p>
+      </dgm:t>
     </dgm:pt>
     <dgm:pt modelId="{B0BFDA82-0223-B542-95D4-E8249FEC267A}" type="pres">
       <dgm:prSet presAssocID="{EE158F42-23B5-F744-819A-ED4215733F25}" presName="connectorText" presStyleLbl="sibTrans2D1" presStyleIdx="3" presStyleCnt="4"/>
       <dgm:spPr/>
+      <dgm:t>
+        <a:bodyPr/>
+        <a:lstStyle/>
+        <a:p>
+          <a:endParaRPr lang="en-US"/>
+        </a:p>
+      </dgm:t>
     </dgm:pt>
     <dgm:pt modelId="{6E2BB16B-90DD-644D-A8AD-FD6EB959E509}" type="pres">
       <dgm:prSet presAssocID="{E93AE06F-D309-B344-A27A-091D2C6B64D1}" presName="node" presStyleLbl="node1" presStyleIdx="4" presStyleCnt="5">
@@ -1140,6 +1225,13 @@
         </dgm:presLayoutVars>
       </dgm:prSet>
       <dgm:spPr/>
+      <dgm:t>
+        <a:bodyPr/>
+        <a:lstStyle/>
+        <a:p>
+          <a:endParaRPr lang="en-US"/>
+        </a:p>
+      </dgm:t>
     </dgm:pt>
   </dgm:ptLst>
   <dgm:cxnLst>
@@ -1157,11 +1249,11 @@
     <dgm:cxn modelId="{869F49E0-31B8-CD42-A87B-DA9410B08916}" type="presOf" srcId="{3598FE2E-B681-134E-B51C-82D47F92CB27}" destId="{184C40AA-5F53-F042-9189-EAB587B17F7C}" srcOrd="1" destOrd="0" presId="urn:microsoft.com/office/officeart/2005/8/layout/process1"/>
     <dgm:cxn modelId="{CE972473-23A3-C941-B95B-CB04CF11C036}" srcId="{D410A61B-9352-594D-92B2-49809D6894F7}" destId="{E93AE06F-D309-B344-A27A-091D2C6B64D1}" srcOrd="4" destOrd="0" parTransId="{CB9A2F40-5363-4345-AEF0-CBFC5ECABFA8}" sibTransId="{51E09C1C-C95E-2340-A3C4-6EA1A0EAEBB1}"/>
     <dgm:cxn modelId="{260E454D-922D-9446-84D7-1F174C28260D}" type="presOf" srcId="{9EBDBCA8-37AC-C747-8307-01CC1205F28E}" destId="{25CA4689-2A55-BE45-B361-D114BEF493C9}" srcOrd="1" destOrd="0" presId="urn:microsoft.com/office/officeart/2005/8/layout/process1"/>
+    <dgm:cxn modelId="{4BE32BC8-300B-CA4C-B1DE-0E5D25A4E961}" type="presOf" srcId="{2B3EEBB5-4078-B447-A7AC-B66F1A1E975C}" destId="{9C695EA9-6170-E149-B16D-F711C81F8F83}" srcOrd="1" destOrd="0" presId="urn:microsoft.com/office/officeart/2005/8/layout/process1"/>
     <dgm:cxn modelId="{DA896CF3-4093-7C46-9DBF-DB2386D25631}" srcId="{D410A61B-9352-594D-92B2-49809D6894F7}" destId="{5A468017-4B18-7743-BE22-4BDAAF9F2C9A}" srcOrd="0" destOrd="0" parTransId="{3052306A-3841-D048-A421-B1A8B3B30F39}" sibTransId="{9EBDBCA8-37AC-C747-8307-01CC1205F28E}"/>
-    <dgm:cxn modelId="{4BE32BC8-300B-CA4C-B1DE-0E5D25A4E961}" type="presOf" srcId="{2B3EEBB5-4078-B447-A7AC-B66F1A1E975C}" destId="{9C695EA9-6170-E149-B16D-F711C81F8F83}" srcOrd="1" destOrd="0" presId="urn:microsoft.com/office/officeart/2005/8/layout/process1"/>
     <dgm:cxn modelId="{DD198553-BB6F-0343-B8B2-9CD97D653E96}" type="presOf" srcId="{5A468017-4B18-7743-BE22-4BDAAF9F2C9A}" destId="{ED626B74-BE43-964D-873B-E5C023D7C29A}" srcOrd="0" destOrd="0" presId="urn:microsoft.com/office/officeart/2005/8/layout/process1"/>
+    <dgm:cxn modelId="{A7C56AF2-D18F-9A44-B173-866C2F5801D9}" type="presOf" srcId="{E93AE06F-D309-B344-A27A-091D2C6B64D1}" destId="{6E2BB16B-90DD-644D-A8AD-FD6EB959E509}" srcOrd="0" destOrd="0" presId="urn:microsoft.com/office/officeart/2005/8/layout/process1"/>
     <dgm:cxn modelId="{B1B2B347-8EB7-574E-8238-344EB497816D}" srcId="{D410A61B-9352-594D-92B2-49809D6894F7}" destId="{045013EC-7901-534C-8B8E-E348AAA27BF0}" srcOrd="3" destOrd="0" parTransId="{1DDE25B2-A535-7344-A7F0-A28363777164}" sibTransId="{EE158F42-23B5-F744-819A-ED4215733F25}"/>
-    <dgm:cxn modelId="{A7C56AF2-D18F-9A44-B173-866C2F5801D9}" type="presOf" srcId="{E93AE06F-D309-B344-A27A-091D2C6B64D1}" destId="{6E2BB16B-90DD-644D-A8AD-FD6EB959E509}" srcOrd="0" destOrd="0" presId="urn:microsoft.com/office/officeart/2005/8/layout/process1"/>
     <dgm:cxn modelId="{17127C32-5922-D044-B0AD-18A1C7F18363}" type="presParOf" srcId="{1496CEA9-8236-7C4B-B4C7-8FB49B738452}" destId="{ED626B74-BE43-964D-873B-E5C023D7C29A}" srcOrd="0" destOrd="0" presId="urn:microsoft.com/office/officeart/2005/8/layout/process1"/>
     <dgm:cxn modelId="{77D1BBF1-C67A-514B-A6B6-332F5D878E66}" type="presParOf" srcId="{1496CEA9-8236-7C4B-B4C7-8FB49B738452}" destId="{2775E1BF-2D5B-7C43-AE4C-29EDDD9385A6}" srcOrd="1" destOrd="0" presId="urn:microsoft.com/office/officeart/2005/8/layout/process1"/>
     <dgm:cxn modelId="{A38B99CB-F05E-B642-BF71-1B30CCC9583E}" type="presParOf" srcId="{2775E1BF-2D5B-7C43-AE4C-29EDDD9385A6}" destId="{25CA4689-2A55-BE45-B361-D114BEF493C9}" srcOrd="0" destOrd="0" presId="urn:microsoft.com/office/officeart/2005/8/layout/process1"/>
@@ -1257,7 +1349,7 @@
         </a:bodyPr>
         <a:lstStyle/>
         <a:p>
-          <a:pPr marL="0" lvl="0" indent="0" algn="ctr" defTabSz="800100">
+          <a:pPr lvl="0" algn="ctr" defTabSz="800100">
             <a:lnSpc>
               <a:spcPct val="90000"/>
             </a:lnSpc>
@@ -1267,7 +1359,6 @@
             <a:spcAft>
               <a:spcPct val="35000"/>
             </a:spcAft>
-            <a:buNone/>
           </a:pPr>
           <a:r>
             <a:rPr lang="en-US" sz="1800" kern="1200" dirty="0"/>
@@ -1346,7 +1437,7 @@
         </a:bodyPr>
         <a:lstStyle/>
         <a:p>
-          <a:pPr marL="0" lvl="0" indent="0" algn="ctr" defTabSz="622300">
+          <a:pPr lvl="0" algn="ctr" defTabSz="622300">
             <a:lnSpc>
               <a:spcPct val="90000"/>
             </a:lnSpc>
@@ -1356,7 +1447,6 @@
             <a:spcAft>
               <a:spcPct val="35000"/>
             </a:spcAft>
-            <a:buNone/>
           </a:pPr>
           <a:endParaRPr lang="en-US" sz="1400" kern="1200"/>
         </a:p>
@@ -1429,7 +1519,7 @@
         </a:bodyPr>
         <a:lstStyle/>
         <a:p>
-          <a:pPr marL="0" lvl="0" indent="0" algn="ctr" defTabSz="800100">
+          <a:pPr lvl="0" algn="ctr" defTabSz="800100">
             <a:lnSpc>
               <a:spcPct val="90000"/>
             </a:lnSpc>
@@ -1439,7 +1529,6 @@
             <a:spcAft>
               <a:spcPct val="35000"/>
             </a:spcAft>
-            <a:buNone/>
           </a:pPr>
           <a:r>
             <a:rPr lang="en-US" sz="1800" kern="1200" dirty="0"/>
@@ -1518,7 +1607,7 @@
         </a:bodyPr>
         <a:lstStyle/>
         <a:p>
-          <a:pPr marL="0" lvl="0" indent="0" algn="ctr" defTabSz="622300">
+          <a:pPr lvl="0" algn="ctr" defTabSz="622300">
             <a:lnSpc>
               <a:spcPct val="90000"/>
             </a:lnSpc>
@@ -1528,7 +1617,6 @@
             <a:spcAft>
               <a:spcPct val="35000"/>
             </a:spcAft>
-            <a:buNone/>
           </a:pPr>
           <a:endParaRPr lang="en-US" sz="1400" kern="1200"/>
         </a:p>
@@ -1601,7 +1689,7 @@
         </a:bodyPr>
         <a:lstStyle/>
         <a:p>
-          <a:pPr marL="0" lvl="0" indent="0" algn="ctr" defTabSz="800100">
+          <a:pPr lvl="0" algn="ctr" defTabSz="800100">
             <a:lnSpc>
               <a:spcPct val="90000"/>
             </a:lnSpc>
@@ -1611,7 +1699,6 @@
             <a:spcAft>
               <a:spcPct val="35000"/>
             </a:spcAft>
-            <a:buNone/>
           </a:pPr>
           <a:r>
             <a:rPr lang="en-US" sz="1800" kern="1200" dirty="0"/>
@@ -1690,7 +1777,7 @@
         </a:bodyPr>
         <a:lstStyle/>
         <a:p>
-          <a:pPr marL="0" lvl="0" indent="0" algn="ctr" defTabSz="622300">
+          <a:pPr lvl="0" algn="ctr" defTabSz="622300">
             <a:lnSpc>
               <a:spcPct val="90000"/>
             </a:lnSpc>
@@ -1700,7 +1787,6 @@
             <a:spcAft>
               <a:spcPct val="35000"/>
             </a:spcAft>
-            <a:buNone/>
           </a:pPr>
           <a:endParaRPr lang="en-US" sz="1400" kern="1200"/>
         </a:p>
@@ -1773,7 +1859,7 @@
         </a:bodyPr>
         <a:lstStyle/>
         <a:p>
-          <a:pPr marL="0" lvl="0" indent="0" algn="ctr" defTabSz="800100">
+          <a:pPr lvl="0" algn="ctr" defTabSz="800100">
             <a:lnSpc>
               <a:spcPct val="90000"/>
             </a:lnSpc>
@@ -1783,7 +1869,6 @@
             <a:spcAft>
               <a:spcPct val="35000"/>
             </a:spcAft>
-            <a:buNone/>
           </a:pPr>
           <a:r>
             <a:rPr lang="en-US" sz="1800" kern="1200" dirty="0"/>
@@ -1862,7 +1947,7 @@
         </a:bodyPr>
         <a:lstStyle/>
         <a:p>
-          <a:pPr marL="0" lvl="0" indent="0" algn="ctr" defTabSz="622300">
+          <a:pPr lvl="0" algn="ctr" defTabSz="622300">
             <a:lnSpc>
               <a:spcPct val="90000"/>
             </a:lnSpc>
@@ -1872,7 +1957,6 @@
             <a:spcAft>
               <a:spcPct val="35000"/>
             </a:spcAft>
-            <a:buNone/>
           </a:pPr>
           <a:endParaRPr lang="en-US" sz="1400" kern="1200"/>
         </a:p>
@@ -1945,7 +2029,7 @@
         </a:bodyPr>
         <a:lstStyle/>
         <a:p>
-          <a:pPr marL="0" lvl="0" indent="0" algn="ctr" defTabSz="800100">
+          <a:pPr lvl="0" algn="ctr" defTabSz="800100">
             <a:lnSpc>
               <a:spcPct val="90000"/>
             </a:lnSpc>
@@ -1955,7 +2039,6 @@
             <a:spcAft>
               <a:spcPct val="35000"/>
             </a:spcAft>
-            <a:buNone/>
           </a:pPr>
           <a:r>
             <a:rPr lang="en-US" sz="1800" kern="1200" dirty="0"/>
@@ -3247,7 +3330,7 @@
           <a:effectLst/>
           <a:extLst>
             <a:ext uri="{91240B29-F687-4f45-9708-019B960494DF}">
-              <a14:hiddenLine xmlns="" xmlns:a14="http://schemas.microsoft.com/office/drawing/2010/main" w="9525">
+              <a14:hiddenLine xmlns:a14="http://schemas.microsoft.com/office/drawing/2010/main" xmlns="" w="9525">
                 <a:solidFill>
                   <a:srgbClr val="000000"/>
                 </a:solidFill>
@@ -4757,7 +4840,7 @@
           <a:ln/>
           <a:extLst>
             <a:ext uri="{91240B29-F687-4f45-9708-019B960494DF}">
-              <a14:hiddenLine xmlns="" xmlns:a14="http://schemas.microsoft.com/office/drawing/2010/main" w="9525">
+              <a14:hiddenLine xmlns:a14="http://schemas.microsoft.com/office/drawing/2010/main" xmlns="" w="9525">
                 <a:solidFill>
                   <a:srgbClr val="000000"/>
                 </a:solidFill>
@@ -5029,7 +5112,7 @@
           <a:ln/>
           <a:extLst>
             <a:ext uri="{91240B29-F687-4f45-9708-019B960494DF}">
-              <a14:hiddenLine xmlns="" xmlns:a14="http://schemas.microsoft.com/office/drawing/2010/main" w="9525">
+              <a14:hiddenLine xmlns:a14="http://schemas.microsoft.com/office/drawing/2010/main" xmlns="" w="9525">
                 <a:solidFill>
                   <a:srgbClr val="000000"/>
                 </a:solidFill>
@@ -5309,7 +5392,7 @@
           <a:ln/>
           <a:extLst>
             <a:ext uri="{91240B29-F687-4f45-9708-019B960494DF}">
-              <a14:hiddenLine xmlns="" xmlns:a14="http://schemas.microsoft.com/office/drawing/2010/main" w="9525">
+              <a14:hiddenLine xmlns:a14="http://schemas.microsoft.com/office/drawing/2010/main" xmlns="" w="9525">
                 <a:solidFill>
                   <a:srgbClr val="000000"/>
                 </a:solidFill>
@@ -5929,7 +6012,7 @@
           <a:ln/>
           <a:extLst>
             <a:ext uri="{91240B29-F687-4f45-9708-019B960494DF}">
-              <a14:hiddenLine xmlns="" xmlns:a14="http://schemas.microsoft.com/office/drawing/2010/main" w="9525">
+              <a14:hiddenLine xmlns:a14="http://schemas.microsoft.com/office/drawing/2010/main" xmlns="" w="9525">
                 <a:solidFill>
                   <a:srgbClr val="000000"/>
                 </a:solidFill>
@@ -6265,7 +6348,7 @@
           <a:ln/>
           <a:extLst>
             <a:ext uri="{91240B29-F687-4f45-9708-019B960494DF}">
-              <a14:hiddenLine xmlns="" xmlns:a14="http://schemas.microsoft.com/office/drawing/2010/main" w="9525">
+              <a14:hiddenLine xmlns:a14="http://schemas.microsoft.com/office/drawing/2010/main" xmlns="" w="9525">
                 <a:solidFill>
                   <a:srgbClr val="000000"/>
                 </a:solidFill>
@@ -6739,7 +6822,7 @@
           <a:ln/>
           <a:extLst>
             <a:ext uri="{91240B29-F687-4f45-9708-019B960494DF}">
-              <a14:hiddenLine xmlns="" xmlns:a14="http://schemas.microsoft.com/office/drawing/2010/main" w="9525">
+              <a14:hiddenLine xmlns:a14="http://schemas.microsoft.com/office/drawing/2010/main" xmlns="" w="9525">
                 <a:solidFill>
                   <a:srgbClr val="000000"/>
                 </a:solidFill>
@@ -7162,7 +7245,7 @@
           <a:ln/>
           <a:extLst>
             <a:ext uri="{91240B29-F687-4f45-9708-019B960494DF}">
-              <a14:hiddenLine xmlns="" xmlns:a14="http://schemas.microsoft.com/office/drawing/2010/main" w="9525">
+              <a14:hiddenLine xmlns:a14="http://schemas.microsoft.com/office/drawing/2010/main" xmlns="" w="9525">
                 <a:solidFill>
                   <a:srgbClr val="000000"/>
                 </a:solidFill>
@@ -8400,9 +8483,17 @@
           <a:bodyPr/>
           <a:lstStyle/>
           <a:p>
+            <a:r>
+              <a:rPr lang="en-US" dirty="0"/>
+              <a:t/>
+            </a:r>
             <a:br>
               <a:rPr lang="en-US" dirty="0"/>
             </a:br>
+            <a:r>
+              <a:rPr lang="en-US" dirty="0"/>
+              <a:t/>
+            </a:r>
             <a:br>
               <a:rPr lang="en-US" dirty="0"/>
             </a:br>
@@ -9268,6 +9359,284 @@
 </file>
 
 <file path=ppt/slides/slide15.xml><?xml version="1.0" encoding="utf-8"?>
+<p:sld xmlns:a="http://schemas.openxmlformats.org/drawingml/2006/main" xmlns:r="http://schemas.openxmlformats.org/officeDocument/2006/relationships" xmlns:p="http://schemas.openxmlformats.org/presentationml/2006/main">
+  <p:cSld>
+    <p:spTree>
+      <p:nvGrpSpPr>
+        <p:cNvPr id="1" name=""/>
+        <p:cNvGrpSpPr/>
+        <p:nvPr/>
+      </p:nvGrpSpPr>
+      <p:grpSpPr>
+        <a:xfrm>
+          <a:off x="0" y="0"/>
+          <a:ext cx="0" cy="0"/>
+          <a:chOff x="0" y="0"/>
+          <a:chExt cx="0" cy="0"/>
+        </a:xfrm>
+      </p:grpSpPr>
+      <p:sp>
+        <p:nvSpPr>
+          <p:cNvPr id="2" name="Title 1"/>
+          <p:cNvSpPr>
+            <a:spLocks noGrp="1"/>
+          </p:cNvSpPr>
+          <p:nvPr>
+            <p:ph type="title"/>
+          </p:nvPr>
+        </p:nvSpPr>
+        <p:spPr/>
+        <p:txBody>
+          <a:bodyPr/>
+          <a:lstStyle/>
+          <a:p>
+            <a:r>
+              <a:rPr lang="en-US" dirty="0" smtClean="0"/>
+              <a:t>Poisson Example</a:t>
+            </a:r>
+            <a:endParaRPr lang="en-US" dirty="0"/>
+          </a:p>
+        </p:txBody>
+      </p:sp>
+      <p:pic>
+        <p:nvPicPr>
+          <p:cNvPr id="4" name="Content Placeholder 3"/>
+          <p:cNvPicPr>
+            <a:picLocks noGrp="1" noChangeAspect="1"/>
+          </p:cNvPicPr>
+          <p:nvPr>
+            <p:ph idx="1"/>
+          </p:nvPr>
+        </p:nvPicPr>
+        <p:blipFill>
+          <a:blip r:embed="rId2">
+            <a:extLst>
+              <a:ext uri="{28A0092B-C50C-407E-A947-70E740481C1C}">
+                <a14:useLocalDpi xmlns:a14="http://schemas.microsoft.com/office/drawing/2010/main" val="0"/>
+              </a:ext>
+            </a:extLst>
+          </a:blip>
+          <a:stretch>
+            <a:fillRect/>
+          </a:stretch>
+        </p:blipFill>
+        <p:spPr>
+          <a:xfrm>
+            <a:off x="121383" y="1504400"/>
+            <a:ext cx="3524250" cy="2400300"/>
+          </a:xfrm>
+        </p:spPr>
+      </p:pic>
+      <p:pic>
+        <p:nvPicPr>
+          <p:cNvPr id="5" name="Picture 4"/>
+          <p:cNvPicPr>
+            <a:picLocks noChangeAspect="1"/>
+          </p:cNvPicPr>
+          <p:nvPr/>
+        </p:nvPicPr>
+        <p:blipFill>
+          <a:blip r:embed="rId3">
+            <a:extLst>
+              <a:ext uri="{28A0092B-C50C-407E-A947-70E740481C1C}">
+                <a14:useLocalDpi xmlns:a14="http://schemas.microsoft.com/office/drawing/2010/main" val="0"/>
+              </a:ext>
+            </a:extLst>
+          </a:blip>
+          <a:stretch>
+            <a:fillRect/>
+          </a:stretch>
+        </p:blipFill>
+        <p:spPr>
+          <a:xfrm>
+            <a:off x="121383" y="3991462"/>
+            <a:ext cx="3524250" cy="2400300"/>
+          </a:xfrm>
+          <a:prstGeom prst="rect">
+            <a:avLst/>
+          </a:prstGeom>
+        </p:spPr>
+      </p:pic>
+      <p:pic>
+        <p:nvPicPr>
+          <p:cNvPr id="6" name="Picture 5"/>
+          <p:cNvPicPr>
+            <a:picLocks noChangeAspect="1"/>
+          </p:cNvPicPr>
+          <p:nvPr/>
+        </p:nvPicPr>
+        <p:blipFill>
+          <a:blip r:embed="rId4">
+            <a:extLst>
+              <a:ext uri="{28A0092B-C50C-407E-A947-70E740481C1C}">
+                <a14:useLocalDpi xmlns:a14="http://schemas.microsoft.com/office/drawing/2010/main" val="0"/>
+              </a:ext>
+            </a:extLst>
+          </a:blip>
+          <a:stretch>
+            <a:fillRect/>
+          </a:stretch>
+        </p:blipFill>
+        <p:spPr>
+          <a:xfrm>
+            <a:off x="3825875" y="3119804"/>
+            <a:ext cx="3524250" cy="2400300"/>
+          </a:xfrm>
+          <a:prstGeom prst="rect">
+            <a:avLst/>
+          </a:prstGeom>
+        </p:spPr>
+      </p:pic>
+      <p:pic>
+        <p:nvPicPr>
+          <p:cNvPr id="8" name="Picture 7"/>
+          <p:cNvPicPr>
+            <a:picLocks noChangeAspect="1"/>
+          </p:cNvPicPr>
+          <p:nvPr/>
+        </p:nvPicPr>
+        <p:blipFill>
+          <a:blip r:embed="rId5">
+            <a:extLst>
+              <a:ext uri="{28A0092B-C50C-407E-A947-70E740481C1C}">
+                <a14:useLocalDpi xmlns:a14="http://schemas.microsoft.com/office/drawing/2010/main" val="0"/>
+              </a:ext>
+            </a:extLst>
+          </a:blip>
+          <a:stretch>
+            <a:fillRect/>
+          </a:stretch>
+        </p:blipFill>
+        <p:spPr>
+          <a:xfrm>
+            <a:off x="7857748" y="3119804"/>
+            <a:ext cx="3524250" cy="2400300"/>
+          </a:xfrm>
+          <a:prstGeom prst="rect">
+            <a:avLst/>
+          </a:prstGeom>
+        </p:spPr>
+      </p:pic>
+      <p:sp>
+        <p:nvSpPr>
+          <p:cNvPr id="9" name="TextBox 8"/>
+          <p:cNvSpPr txBox="1"/>
+          <p:nvPr/>
+        </p:nvSpPr>
+        <p:spPr>
+          <a:xfrm>
+            <a:off x="8764088" y="2399124"/>
+            <a:ext cx="1711569" cy="646331"/>
+          </a:xfrm>
+          <a:prstGeom prst="rect">
+            <a:avLst/>
+          </a:prstGeom>
+          <a:noFill/>
+        </p:spPr>
+        <p:txBody>
+          <a:bodyPr wrap="square" rtlCol="0">
+            <a:spAutoFit/>
+          </a:bodyPr>
+          <a:lstStyle/>
+          <a:p>
+            <a:r>
+              <a:rPr lang="en-US" dirty="0" smtClean="0"/>
+              <a:t>Poisson Blend Result </a:t>
+            </a:r>
+            <a:r>
+              <a:rPr lang="en-US" dirty="0"/>
+              <a:t>C</a:t>
+            </a:r>
+            <a:r>
+              <a:rPr lang="en-US" dirty="0" smtClean="0"/>
+              <a:t>utout</a:t>
+            </a:r>
+            <a:endParaRPr lang="en-US" dirty="0"/>
+          </a:p>
+        </p:txBody>
+      </p:sp>
+      <p:sp>
+        <p:nvSpPr>
+          <p:cNvPr id="10" name="TextBox 9"/>
+          <p:cNvSpPr txBox="1"/>
+          <p:nvPr/>
+        </p:nvSpPr>
+        <p:spPr>
+          <a:xfrm>
+            <a:off x="664308" y="4650371"/>
+            <a:ext cx="2438400" cy="646331"/>
+          </a:xfrm>
+          <a:prstGeom prst="rect">
+            <a:avLst/>
+          </a:prstGeom>
+          <a:noFill/>
+        </p:spPr>
+        <p:txBody>
+          <a:bodyPr wrap="square" rtlCol="0">
+            <a:spAutoFit/>
+          </a:bodyPr>
+          <a:lstStyle/>
+          <a:p>
+            <a:r>
+              <a:rPr lang="en-US" dirty="0" smtClean="0">
+                <a:solidFill>
+                  <a:schemeClr val="bg1"/>
+                </a:solidFill>
+              </a:rPr>
+              <a:t>Source Cutout and Mask</a:t>
+            </a:r>
+            <a:endParaRPr lang="en-US" dirty="0">
+              <a:solidFill>
+                <a:schemeClr val="bg1"/>
+              </a:solidFill>
+            </a:endParaRPr>
+          </a:p>
+        </p:txBody>
+      </p:sp>
+      <p:sp>
+        <p:nvSpPr>
+          <p:cNvPr id="11" name="TextBox 10"/>
+          <p:cNvSpPr txBox="1"/>
+          <p:nvPr/>
+        </p:nvSpPr>
+        <p:spPr>
+          <a:xfrm>
+            <a:off x="4462585" y="2594708"/>
+            <a:ext cx="2047630" cy="369332"/>
+          </a:xfrm>
+          <a:prstGeom prst="rect">
+            <a:avLst/>
+          </a:prstGeom>
+          <a:noFill/>
+        </p:spPr>
+        <p:txBody>
+          <a:bodyPr wrap="square" rtlCol="0">
+            <a:spAutoFit/>
+          </a:bodyPr>
+          <a:lstStyle/>
+          <a:p>
+            <a:r>
+              <a:rPr lang="en-US" dirty="0" smtClean="0"/>
+              <a:t>Target Cutout</a:t>
+            </a:r>
+            <a:endParaRPr lang="en-US" dirty="0"/>
+          </a:p>
+        </p:txBody>
+      </p:sp>
+    </p:spTree>
+    <p:extLst>
+      <p:ext uri="{BB962C8B-B14F-4D97-AF65-F5344CB8AC3E}">
+        <p14:creationId xmlns:p14="http://schemas.microsoft.com/office/powerpoint/2010/main" val="895189709"/>
+      </p:ext>
+    </p:extLst>
+  </p:cSld>
+  <p:clrMapOvr>
+    <a:masterClrMapping/>
+  </p:clrMapOvr>
+</p:sld>
+</file>
+
+<file path=ppt/slides/slide16.xml><?xml version="1.0" encoding="utf-8"?>
 <p:sld xmlns:a="http://schemas.openxmlformats.org/drawingml/2006/main" xmlns:r="http://schemas.openxmlformats.org/officeDocument/2006/relationships" xmlns:p="http://schemas.openxmlformats.org/presentationml/2006/main">
   <p:cSld>
     <p:spTree>

--- a/534_pres.pptx
+++ b/534_pres.pptx
@@ -8498,9 +8498,10 @@
               <a:rPr lang="en-US" dirty="0"/>
             </a:br>
             <a:r>
-              <a:rPr lang="en-US" dirty="0"/>
-              <a:t>Image Splicing Using Segmentation and Poisson Blending</a:t>
-            </a:r>
+              <a:rPr lang="en-US" dirty="0" smtClean="0"/>
+              <a:t>Partial Image Placement Software (PIPS)</a:t>
+            </a:r>
+            <a:endParaRPr lang="en-US" dirty="0"/>
           </a:p>
         </p:txBody>
       </p:sp>
@@ -9669,9 +9670,10 @@
           <a:lstStyle/>
           <a:p>
             <a:r>
-              <a:rPr lang="en-US"/>
-              <a:t>Results???</a:t>
-            </a:r>
+              <a:rPr lang="en-US" dirty="0" smtClean="0"/>
+              <a:t>Moving Forward</a:t>
+            </a:r>
+            <a:endParaRPr lang="en-US" dirty="0"/>
           </a:p>
         </p:txBody>
       </p:sp>
@@ -9690,7 +9692,11 @@
           <a:bodyPr/>
           <a:lstStyle/>
           <a:p>
-            <a:endParaRPr lang="en-US"/>
+            <a:r>
+              <a:rPr lang="en-US" dirty="0" smtClean="0"/>
+              <a:t>Combine selection, segmentation and blending into a single user-friendly program. </a:t>
+            </a:r>
+            <a:endParaRPr lang="en-US" dirty="0"/>
           </a:p>
         </p:txBody>
       </p:sp>
